--- a/共享项目.pptx
+++ b/共享项目.pptx
@@ -5,19 +5,29 @@
     <p:sldMasterId id="2147483648" r:id="rId1"/>
   </p:sldMasterIdLst>
   <p:notesMasterIdLst>
-    <p:notesMasterId r:id="rId12"/>
+    <p:notesMasterId r:id="rId22"/>
   </p:notesMasterIdLst>
   <p:sldIdLst>
     <p:sldId id="256" r:id="rId2"/>
-    <p:sldId id="257" r:id="rId3"/>
-    <p:sldId id="261" r:id="rId4"/>
-    <p:sldId id="263" r:id="rId5"/>
-    <p:sldId id="262" r:id="rId6"/>
-    <p:sldId id="264" r:id="rId7"/>
-    <p:sldId id="265" r:id="rId8"/>
-    <p:sldId id="258" r:id="rId9"/>
-    <p:sldId id="259" r:id="rId10"/>
-    <p:sldId id="260" r:id="rId11"/>
+    <p:sldId id="266" r:id="rId3"/>
+    <p:sldId id="257" r:id="rId4"/>
+    <p:sldId id="261" r:id="rId5"/>
+    <p:sldId id="274" r:id="rId6"/>
+    <p:sldId id="263" r:id="rId7"/>
+    <p:sldId id="272" r:id="rId8"/>
+    <p:sldId id="273" r:id="rId9"/>
+    <p:sldId id="262" r:id="rId10"/>
+    <p:sldId id="264" r:id="rId11"/>
+    <p:sldId id="270" r:id="rId12"/>
+    <p:sldId id="268" r:id="rId13"/>
+    <p:sldId id="269" r:id="rId14"/>
+    <p:sldId id="271" r:id="rId15"/>
+    <p:sldId id="265" r:id="rId16"/>
+    <p:sldId id="258" r:id="rId17"/>
+    <p:sldId id="259" r:id="rId18"/>
+    <p:sldId id="267" r:id="rId19"/>
+    <p:sldId id="275" r:id="rId20"/>
+    <p:sldId id="260" r:id="rId21"/>
   </p:sldIdLst>
   <p:sldSz cx="12192000" cy="6858000"/>
   <p:notesSz cx="6858000" cy="9144000"/>
@@ -206,7 +216,7 @@
           <a:p>
             <a:fld id="{5B7A5587-B2AD-BE46-8F4E-2FBD4490FA7F}" type="datetimeFigureOut">
               <a:rPr kumimoji="1" lang="zh-CN" altLang="en-US" smtClean="0"/>
-              <a:t>2017/7/16</a:t>
+              <a:t>2017-07-18</a:t>
             </a:fld>
             <a:endParaRPr kumimoji="1" lang="zh-CN" altLang="en-US"/>
           </a:p>
@@ -605,7 +615,7 @@
           <a:p>
             <a:fld id="{50BD9A35-11AB-2D41-A9FA-429F42A99F7A}" type="datetimeFigureOut">
               <a:rPr kumimoji="1" lang="zh-CN" altLang="en-US" smtClean="0"/>
-              <a:t>2017/7/16</a:t>
+              <a:t>2017-07-18</a:t>
             </a:fld>
             <a:endParaRPr kumimoji="1" lang="zh-CN" altLang="en-US"/>
           </a:p>
@@ -775,7 +785,7 @@
           <a:p>
             <a:fld id="{50BD9A35-11AB-2D41-A9FA-429F42A99F7A}" type="datetimeFigureOut">
               <a:rPr kumimoji="1" lang="zh-CN" altLang="en-US" smtClean="0"/>
-              <a:t>2017/7/16</a:t>
+              <a:t>2017-07-18</a:t>
             </a:fld>
             <a:endParaRPr kumimoji="1" lang="zh-CN" altLang="en-US"/>
           </a:p>
@@ -955,7 +965,7 @@
           <a:p>
             <a:fld id="{50BD9A35-11AB-2D41-A9FA-429F42A99F7A}" type="datetimeFigureOut">
               <a:rPr kumimoji="1" lang="zh-CN" altLang="en-US" smtClean="0"/>
-              <a:t>2017/7/16</a:t>
+              <a:t>2017-07-18</a:t>
             </a:fld>
             <a:endParaRPr kumimoji="1" lang="zh-CN" altLang="en-US"/>
           </a:p>
@@ -1125,7 +1135,7 @@
           <a:p>
             <a:fld id="{50BD9A35-11AB-2D41-A9FA-429F42A99F7A}" type="datetimeFigureOut">
               <a:rPr kumimoji="1" lang="zh-CN" altLang="en-US" smtClean="0"/>
-              <a:t>2017/7/16</a:t>
+              <a:t>2017-07-18</a:t>
             </a:fld>
             <a:endParaRPr kumimoji="1" lang="zh-CN" altLang="en-US"/>
           </a:p>
@@ -1371,7 +1381,7 @@
           <a:p>
             <a:fld id="{50BD9A35-11AB-2D41-A9FA-429F42A99F7A}" type="datetimeFigureOut">
               <a:rPr kumimoji="1" lang="zh-CN" altLang="en-US" smtClean="0"/>
-              <a:t>2017/7/16</a:t>
+              <a:t>2017-07-18</a:t>
             </a:fld>
             <a:endParaRPr kumimoji="1" lang="zh-CN" altLang="en-US"/>
           </a:p>
@@ -1603,7 +1613,7 @@
           <a:p>
             <a:fld id="{50BD9A35-11AB-2D41-A9FA-429F42A99F7A}" type="datetimeFigureOut">
               <a:rPr kumimoji="1" lang="zh-CN" altLang="en-US" smtClean="0"/>
-              <a:t>2017/7/16</a:t>
+              <a:t>2017-07-18</a:t>
             </a:fld>
             <a:endParaRPr kumimoji="1" lang="zh-CN" altLang="en-US"/>
           </a:p>
@@ -1970,7 +1980,7 @@
           <a:p>
             <a:fld id="{50BD9A35-11AB-2D41-A9FA-429F42A99F7A}" type="datetimeFigureOut">
               <a:rPr kumimoji="1" lang="zh-CN" altLang="en-US" smtClean="0"/>
-              <a:t>2017/7/16</a:t>
+              <a:t>2017-07-18</a:t>
             </a:fld>
             <a:endParaRPr kumimoji="1" lang="zh-CN" altLang="en-US"/>
           </a:p>
@@ -2088,7 +2098,7 @@
           <a:p>
             <a:fld id="{50BD9A35-11AB-2D41-A9FA-429F42A99F7A}" type="datetimeFigureOut">
               <a:rPr kumimoji="1" lang="zh-CN" altLang="en-US" smtClean="0"/>
-              <a:t>2017/7/16</a:t>
+              <a:t>2017-07-18</a:t>
             </a:fld>
             <a:endParaRPr kumimoji="1" lang="zh-CN" altLang="en-US"/>
           </a:p>
@@ -2183,7 +2193,7 @@
           <a:p>
             <a:fld id="{50BD9A35-11AB-2D41-A9FA-429F42A99F7A}" type="datetimeFigureOut">
               <a:rPr kumimoji="1" lang="zh-CN" altLang="en-US" smtClean="0"/>
-              <a:t>2017/7/16</a:t>
+              <a:t>2017-07-18</a:t>
             </a:fld>
             <a:endParaRPr kumimoji="1" lang="zh-CN" altLang="en-US"/>
           </a:p>
@@ -2460,7 +2470,7 @@
           <a:p>
             <a:fld id="{50BD9A35-11AB-2D41-A9FA-429F42A99F7A}" type="datetimeFigureOut">
               <a:rPr kumimoji="1" lang="zh-CN" altLang="en-US" smtClean="0"/>
-              <a:t>2017/7/16</a:t>
+              <a:t>2017-07-18</a:t>
             </a:fld>
             <a:endParaRPr kumimoji="1" lang="zh-CN" altLang="en-US"/>
           </a:p>
@@ -2713,7 +2723,7 @@
           <a:p>
             <a:fld id="{50BD9A35-11AB-2D41-A9FA-429F42A99F7A}" type="datetimeFigureOut">
               <a:rPr kumimoji="1" lang="zh-CN" altLang="en-US" smtClean="0"/>
-              <a:t>2017/7/16</a:t>
+              <a:t>2017-07-18</a:t>
             </a:fld>
             <a:endParaRPr kumimoji="1" lang="zh-CN" altLang="en-US"/>
           </a:p>
@@ -2926,7 +2936,7 @@
           <a:p>
             <a:fld id="{50BD9A35-11AB-2D41-A9FA-429F42A99F7A}" type="datetimeFigureOut">
               <a:rPr kumimoji="1" lang="zh-CN" altLang="en-US" smtClean="0"/>
-              <a:t>2017/7/16</a:t>
+              <a:t>2017-07-18</a:t>
             </a:fld>
             <a:endParaRPr kumimoji="1" lang="zh-CN" altLang="en-US"/>
           </a:p>
@@ -3341,19 +3351,86 @@
             <p:ph type="ctrTitle"/>
           </p:nvPr>
         </p:nvSpPr>
-        <p:spPr/>
-        <p:txBody>
-          <a:bodyPr/>
+        <p:spPr>
+          <a:xfrm>
+            <a:off x="1523999" y="736979"/>
+            <a:ext cx="9394209" cy="1692321"/>
+          </a:xfrm>
+        </p:spPr>
+        <p:txBody>
+          <a:bodyPr>
+            <a:normAutofit fontScale="90000"/>
+          </a:bodyPr>
           <a:lstStyle/>
           <a:p>
             <a:r>
               <a:rPr kumimoji="1" lang="zh-CN" altLang="en-US" dirty="0" smtClean="0"/>
-              <a:t>共享项目</a:t>
+              <a:t>共享</a:t>
+            </a:r>
+            <a:r>
+              <a:rPr kumimoji="1" lang="zh-CN" altLang="en-US" dirty="0" smtClean="0"/>
+              <a:t>经济</a:t>
+            </a:r>
+            <a:r>
+              <a:rPr kumimoji="1" lang="en-US" altLang="zh-CN" dirty="0" smtClean="0"/>
+              <a:t/>
+            </a:r>
+            <a:br>
+              <a:rPr kumimoji="1" lang="en-US" altLang="zh-CN" dirty="0" smtClean="0"/>
+            </a:br>
+            <a:r>
+              <a:rPr kumimoji="1" lang="en-US" altLang="zh-CN" dirty="0" smtClean="0"/>
+              <a:t>					</a:t>
+            </a:r>
+            <a:r>
+              <a:rPr kumimoji="1" lang="zh-CN" altLang="en-US" sz="2700" dirty="0" smtClean="0"/>
+              <a:t>共享是个筐，啥都往里装</a:t>
             </a:r>
             <a:endParaRPr kumimoji="1" lang="zh-CN" altLang="en-US" dirty="0"/>
           </a:p>
         </p:txBody>
       </p:sp>
+      <p:pic>
+        <p:nvPicPr>
+          <p:cNvPr id="1028" name="Picture 4" descr="共享充电宝是噱头还是真的有前途？"/>
+          <p:cNvPicPr>
+            <a:picLocks noChangeAspect="1" noChangeArrowheads="1"/>
+          </p:cNvPicPr>
+          <p:nvPr/>
+        </p:nvPicPr>
+        <p:blipFill>
+          <a:blip r:embed="rId2">
+            <a:extLst>
+              <a:ext uri="{28A0092B-C50C-407E-A947-70E740481C1C}">
+                <a14:useLocalDpi xmlns:a14="http://schemas.microsoft.com/office/drawing/2010/main" val="0"/>
+              </a:ext>
+            </a:extLst>
+          </a:blip>
+          <a:srcRect/>
+          <a:stretch>
+            <a:fillRect/>
+          </a:stretch>
+        </p:blipFill>
+        <p:spPr bwMode="auto">
+          <a:xfrm>
+            <a:off x="1340608" y="2311518"/>
+            <a:ext cx="5143500" cy="4000501"/>
+          </a:xfrm>
+          <a:prstGeom prst="rect">
+            <a:avLst/>
+          </a:prstGeom>
+          <a:noFill/>
+          <a:extLst>
+            <a:ext uri="{909E8E84-426E-40DD-AFC4-6F175D3DCCD1}">
+              <a14:hiddenFill xmlns:a14="http://schemas.microsoft.com/office/drawing/2010/main">
+                <a:solidFill>
+                  <a:srgbClr val="FFFFFF"/>
+                </a:solidFill>
+              </a14:hiddenFill>
+            </a:ext>
+          </a:extLst>
+        </p:spPr>
+      </p:pic>
     </p:spTree>
     <p:extLst>
       <p:ext uri="{BB962C8B-B14F-4D97-AF65-F5344CB8AC3E}">
@@ -3400,8 +3477,12 @@
           <a:lstStyle/>
           <a:p>
             <a:r>
-              <a:rPr kumimoji="1" lang="zh-CN" altLang="en-US" dirty="0" smtClean="0"/>
-              <a:t>共享伴侣</a:t>
+              <a:rPr lang="zh-CN" altLang="en-US" dirty="0" smtClean="0"/>
+              <a:t>看</a:t>
+            </a:r>
+            <a:r>
+              <a:rPr lang="zh-CN" altLang="en-US" dirty="0"/>
+              <a:t>不懂</a:t>
             </a:r>
             <a:endParaRPr kumimoji="1" lang="zh-CN" altLang="en-US" dirty="0"/>
           </a:p>
@@ -3409,14 +3490,14 @@
       </p:sp>
       <p:sp>
         <p:nvSpPr>
-          <p:cNvPr id="3" name="矩形 2"/>
+          <p:cNvPr id="7" name="矩形 6"/>
           <p:cNvSpPr/>
           <p:nvPr/>
         </p:nvSpPr>
         <p:spPr>
           <a:xfrm>
-            <a:off x="838200" y="1575581"/>
-            <a:ext cx="10705514" cy="923330"/>
+            <a:off x="1064525" y="1690688"/>
+            <a:ext cx="10781732" cy="1754326"/>
           </a:xfrm>
           <a:prstGeom prst="rect">
             <a:avLst/>
@@ -3429,238 +3510,1295 @@
           <a:lstStyle/>
           <a:p>
             <a:r>
-              <a:rPr lang="zh-CN" altLang="en-US" b="0" i="0" dirty="0" smtClean="0">
-                <a:solidFill>
-                  <a:srgbClr val="2B2B2B"/>
-                </a:solidFill>
-                <a:effectLst/>
-                <a:latin typeface="simsun" charset="-122"/>
-              </a:rPr>
-              <a:t>据最新的一份中国城市白领“性健康”状况报告显示</a:t>
-            </a:r>
-            <a:r>
-              <a:rPr lang="en-US" altLang="zh-CN" b="0" i="0" dirty="0" smtClean="0">
-                <a:solidFill>
-                  <a:srgbClr val="2B2B2B"/>
-                </a:solidFill>
-                <a:effectLst/>
-                <a:latin typeface="simsun" charset="-122"/>
-              </a:rPr>
-              <a:t>,</a:t>
-            </a:r>
-            <a:r>
-              <a:rPr lang="zh-CN" altLang="en-US" b="0" i="0" dirty="0" smtClean="0">
-                <a:solidFill>
-                  <a:srgbClr val="2B2B2B"/>
-                </a:solidFill>
-                <a:effectLst/>
-                <a:latin typeface="simsun" charset="-122"/>
-              </a:rPr>
-              <a:t>城市白领普遍“性致”不高</a:t>
-            </a:r>
-            <a:r>
-              <a:rPr lang="en-US" altLang="zh-CN" b="0" i="0" dirty="0" smtClean="0">
-                <a:solidFill>
-                  <a:srgbClr val="2B2B2B"/>
-                </a:solidFill>
-                <a:effectLst/>
-                <a:latin typeface="simsun" charset="-122"/>
-              </a:rPr>
-              <a:t>,</a:t>
-            </a:r>
-            <a:r>
-              <a:rPr lang="zh-CN" altLang="en-US" b="0" i="0" dirty="0" smtClean="0">
-                <a:solidFill>
-                  <a:srgbClr val="2B2B2B"/>
-                </a:solidFill>
-                <a:effectLst/>
-                <a:latin typeface="simsun" charset="-122"/>
-              </a:rPr>
-              <a:t>近六成白领感到工作压力</a:t>
-            </a:r>
-            <a:r>
-              <a:rPr lang="en-US" altLang="zh-CN" b="0" i="0" dirty="0" smtClean="0">
-                <a:solidFill>
-                  <a:srgbClr val="2B2B2B"/>
-                </a:solidFill>
-                <a:effectLst/>
-                <a:latin typeface="simsun" charset="-122"/>
-              </a:rPr>
-              <a:t>,</a:t>
-            </a:r>
-            <a:r>
-              <a:rPr lang="zh-CN" altLang="en-US" b="0" i="0" dirty="0" smtClean="0">
-                <a:solidFill>
-                  <a:srgbClr val="2B2B2B"/>
-                </a:solidFill>
-                <a:effectLst/>
-                <a:latin typeface="simsun" charset="-122"/>
-              </a:rPr>
-              <a:t>使其“性福”止步。在月平均性生活频率调查中</a:t>
-            </a:r>
-            <a:r>
-              <a:rPr lang="en-US" altLang="zh-CN" b="0" i="0" dirty="0" smtClean="0">
-                <a:solidFill>
-                  <a:srgbClr val="2B2B2B"/>
-                </a:solidFill>
-                <a:effectLst/>
-                <a:latin typeface="simsun" charset="-122"/>
-              </a:rPr>
-              <a:t>,</a:t>
-            </a:r>
-            <a:r>
-              <a:rPr lang="zh-CN" altLang="en-US" b="0" i="0" dirty="0" smtClean="0">
-                <a:solidFill>
-                  <a:srgbClr val="2B2B2B"/>
-                </a:solidFill>
-                <a:effectLst/>
-                <a:latin typeface="simsun" charset="-122"/>
-              </a:rPr>
-              <a:t>超过三成的人少于</a:t>
-            </a:r>
-            <a:r>
-              <a:rPr lang="en-US" altLang="zh-CN" b="0" i="0" dirty="0" smtClean="0">
-                <a:solidFill>
-                  <a:srgbClr val="2B2B2B"/>
-                </a:solidFill>
-                <a:effectLst/>
-                <a:latin typeface="simsun" charset="-122"/>
+              <a:rPr lang="en-US" altLang="zh-CN" dirty="0">
+                <a:solidFill>
+                  <a:srgbClr val="333333"/>
+                </a:solidFill>
+                <a:latin typeface="Microsoft Yahei" panose="020B0503020204020204" pitchFamily="34" charset="-122"/>
+                <a:ea typeface="Microsoft Yahei" panose="020B0503020204020204" pitchFamily="34" charset="-122"/>
               </a:rPr>
               <a:t>1</a:t>
             </a:r>
             <a:r>
-              <a:rPr lang="zh-CN" altLang="en-US" b="0" i="0" dirty="0" smtClean="0">
-                <a:solidFill>
-                  <a:srgbClr val="2B2B2B"/>
-                </a:solidFill>
-                <a:effectLst/>
-                <a:latin typeface="simsun" charset="-122"/>
+              <a:rPr lang="zh-CN" altLang="en-US" dirty="0">
+                <a:solidFill>
+                  <a:srgbClr val="333333"/>
+                </a:solidFill>
+                <a:latin typeface="Microsoft Yahei" panose="020B0503020204020204" pitchFamily="34" charset="-122"/>
+                <a:ea typeface="Microsoft Yahei" panose="020B0503020204020204" pitchFamily="34" charset="-122"/>
               </a:rPr>
-              <a:t>次</a:t>
-            </a:r>
-            <a:r>
-              <a:rPr lang="en-US" altLang="zh-CN" b="0" i="0" dirty="0" smtClean="0">
-                <a:solidFill>
-                  <a:srgbClr val="2B2B2B"/>
-                </a:solidFill>
-                <a:effectLst/>
-                <a:latin typeface="simsun" charset="-122"/>
+              <a:t>、随着电池容量加大、快充模式推广以及无线充电的来临，使用频率是否会快速下降</a:t>
+            </a:r>
+            <a:r>
+              <a:rPr lang="zh-CN" altLang="en-US" dirty="0" smtClean="0">
+                <a:solidFill>
+                  <a:srgbClr val="333333"/>
+                </a:solidFill>
+                <a:latin typeface="Microsoft Yahei" panose="020B0503020204020204" pitchFamily="34" charset="-122"/>
+                <a:ea typeface="Microsoft Yahei" panose="020B0503020204020204" pitchFamily="34" charset="-122"/>
               </a:rPr>
-              <a:t>,</a:t>
-            </a:r>
-            <a:r>
-              <a:rPr lang="zh-CN" altLang="en-US" b="0" i="0" dirty="0" smtClean="0">
-                <a:solidFill>
-                  <a:srgbClr val="2B2B2B"/>
-                </a:solidFill>
-                <a:effectLst/>
-                <a:latin typeface="simsun" charset="-122"/>
+              <a:t>？</a:t>
+            </a:r>
+            <a:endParaRPr lang="en-US" altLang="zh-CN" dirty="0" smtClean="0">
+              <a:solidFill>
+                <a:srgbClr val="333333"/>
+              </a:solidFill>
+              <a:latin typeface="Microsoft Yahei" panose="020B0503020204020204" pitchFamily="34" charset="-122"/>
+              <a:ea typeface="Microsoft Yahei" panose="020B0503020204020204" pitchFamily="34" charset="-122"/>
+            </a:endParaRPr>
+          </a:p>
+          <a:p>
+            <a:endParaRPr lang="zh-CN" altLang="en-US" dirty="0">
+              <a:solidFill>
+                <a:srgbClr val="333333"/>
+              </a:solidFill>
+              <a:latin typeface="Microsoft Yahei" panose="020B0503020204020204" pitchFamily="34" charset="-122"/>
+              <a:ea typeface="Microsoft Yahei" panose="020B0503020204020204" pitchFamily="34" charset="-122"/>
+            </a:endParaRPr>
+          </a:p>
+          <a:p>
+            <a:r>
+              <a:rPr lang="en-US" altLang="zh-CN" dirty="0">
+                <a:solidFill>
+                  <a:srgbClr val="333333"/>
+                </a:solidFill>
+                <a:latin typeface="Microsoft Yahei" panose="020B0503020204020204" pitchFamily="34" charset="-122"/>
+                <a:ea typeface="Microsoft Yahei" panose="020B0503020204020204" pitchFamily="34" charset="-122"/>
               </a:rPr>
-              <a:t>超过两成的人</a:t>
-            </a:r>
-            <a:r>
-              <a:rPr lang="en-US" altLang="zh-CN" b="0" i="0" dirty="0" smtClean="0">
-                <a:solidFill>
-                  <a:srgbClr val="2B2B2B"/>
-                </a:solidFill>
-                <a:effectLst/>
-                <a:latin typeface="simsun" charset="-122"/>
+              <a:t>2</a:t>
+            </a:r>
+            <a:r>
+              <a:rPr lang="zh-CN" altLang="en-US" dirty="0">
+                <a:solidFill>
+                  <a:srgbClr val="333333"/>
+                </a:solidFill>
+                <a:latin typeface="Microsoft Yahei" panose="020B0503020204020204" pitchFamily="34" charset="-122"/>
+                <a:ea typeface="Microsoft Yahei" panose="020B0503020204020204" pitchFamily="34" charset="-122"/>
               </a:rPr>
-              <a:t>1—2</a:t>
-            </a:r>
-            <a:r>
-              <a:rPr lang="zh-CN" altLang="en-US" b="0" i="0" dirty="0" smtClean="0">
-                <a:solidFill>
-                  <a:srgbClr val="2B2B2B"/>
-                </a:solidFill>
-                <a:effectLst/>
-                <a:latin typeface="simsun" charset="-122"/>
+              <a:t>、使用数量是否能够达到高频和高数量？是真正的刚需还是伪刚需</a:t>
+            </a:r>
+            <a:r>
+              <a:rPr lang="zh-CN" altLang="en-US" dirty="0" smtClean="0">
+                <a:solidFill>
+                  <a:srgbClr val="333333"/>
+                </a:solidFill>
+                <a:latin typeface="Microsoft Yahei" panose="020B0503020204020204" pitchFamily="34" charset="-122"/>
+                <a:ea typeface="Microsoft Yahei" panose="020B0503020204020204" pitchFamily="34" charset="-122"/>
               </a:rPr>
-              <a:t>次、</a:t>
-            </a:r>
-            <a:r>
-              <a:rPr lang="en-US" altLang="zh-CN" b="0" i="0" dirty="0" smtClean="0">
-                <a:solidFill>
-                  <a:srgbClr val="2B2B2B"/>
-                </a:solidFill>
-                <a:effectLst/>
-                <a:latin typeface="simsun" charset="-122"/>
+              <a:t>？</a:t>
+            </a:r>
+            <a:endParaRPr lang="en-US" altLang="zh-CN" dirty="0" smtClean="0">
+              <a:solidFill>
+                <a:srgbClr val="333333"/>
+              </a:solidFill>
+              <a:latin typeface="Microsoft Yahei" panose="020B0503020204020204" pitchFamily="34" charset="-122"/>
+              <a:ea typeface="Microsoft Yahei" panose="020B0503020204020204" pitchFamily="34" charset="-122"/>
+            </a:endParaRPr>
+          </a:p>
+          <a:p>
+            <a:endParaRPr lang="zh-CN" altLang="en-US" dirty="0">
+              <a:solidFill>
+                <a:srgbClr val="333333"/>
+              </a:solidFill>
+              <a:latin typeface="Microsoft Yahei" panose="020B0503020204020204" pitchFamily="34" charset="-122"/>
+              <a:ea typeface="Microsoft Yahei" panose="020B0503020204020204" pitchFamily="34" charset="-122"/>
+            </a:endParaRPr>
+          </a:p>
+          <a:p>
+            <a:r>
+              <a:rPr lang="en-US" altLang="zh-CN" dirty="0">
+                <a:solidFill>
+                  <a:srgbClr val="333333"/>
+                </a:solidFill>
+                <a:latin typeface="Microsoft Yahei" panose="020B0503020204020204" pitchFamily="34" charset="-122"/>
+                <a:ea typeface="Microsoft Yahei" panose="020B0503020204020204" pitchFamily="34" charset="-122"/>
               </a:rPr>
-              <a:t>3—5</a:t>
-            </a:r>
-            <a:r>
-              <a:rPr lang="zh-CN" altLang="en-US" b="0" i="0" dirty="0" smtClean="0">
-                <a:solidFill>
-                  <a:srgbClr val="2B2B2B"/>
-                </a:solidFill>
-                <a:effectLst/>
-                <a:latin typeface="simsun" charset="-122"/>
+              <a:t>3</a:t>
+            </a:r>
+            <a:r>
+              <a:rPr lang="zh-CN" altLang="en-US" dirty="0">
+                <a:solidFill>
+                  <a:srgbClr val="333333"/>
+                </a:solidFill>
+                <a:latin typeface="Microsoft Yahei" panose="020B0503020204020204" pitchFamily="34" charset="-122"/>
+                <a:ea typeface="Microsoft Yahei" panose="020B0503020204020204" pitchFamily="34" charset="-122"/>
               </a:rPr>
-              <a:t>次的占两成、</a:t>
-            </a:r>
-            <a:r>
-              <a:rPr lang="en-US" altLang="zh-CN" b="0" i="0" dirty="0" smtClean="0">
-                <a:solidFill>
-                  <a:srgbClr val="2B2B2B"/>
-                </a:solidFill>
-                <a:effectLst/>
-                <a:latin typeface="simsun" charset="-122"/>
+              <a:t>、门槛这么低，怎么赚钱？共享单车都拼了这么久了，远远超过朱啸虎当时说的</a:t>
+            </a:r>
+            <a:r>
+              <a:rPr lang="en-US" altLang="zh-CN" dirty="0">
+                <a:solidFill>
+                  <a:srgbClr val="333333"/>
+                </a:solidFill>
+                <a:latin typeface="Microsoft Yahei" panose="020B0503020204020204" pitchFamily="34" charset="-122"/>
+                <a:ea typeface="Microsoft Yahei" panose="020B0503020204020204" pitchFamily="34" charset="-122"/>
               </a:rPr>
-              <a:t>5</a:t>
-            </a:r>
-            <a:r>
-              <a:rPr lang="zh-CN" altLang="en-US" b="0" i="0" dirty="0" smtClean="0">
-                <a:solidFill>
-                  <a:srgbClr val="2B2B2B"/>
-                </a:solidFill>
-                <a:effectLst/>
-                <a:latin typeface="simsun" charset="-122"/>
+              <a:t>3</a:t>
+            </a:r>
+            <a:r>
+              <a:rPr lang="zh-CN" altLang="en-US" dirty="0">
+                <a:solidFill>
+                  <a:srgbClr val="333333"/>
+                </a:solidFill>
+                <a:latin typeface="Microsoft Yahei" panose="020B0503020204020204" pitchFamily="34" charset="-122"/>
+                <a:ea typeface="Microsoft Yahei" panose="020B0503020204020204" pitchFamily="34" charset="-122"/>
               </a:rPr>
-              <a:t>次以上不到两成半。</a:t>
-            </a:r>
-            <a:endParaRPr lang="zh-CN" altLang="en-US" dirty="0"/>
-          </a:p>
-        </p:txBody>
-      </p:sp>
-      <p:sp>
-        <p:nvSpPr>
-          <p:cNvPr id="4" name="矩形 3"/>
-          <p:cNvSpPr/>
+              <a:t>个月结束战斗，到现在结束战斗还遥遥无期。</a:t>
+            </a:r>
+            <a:endParaRPr lang="zh-CN" altLang="en-US" b="0" i="0" dirty="0">
+              <a:solidFill>
+                <a:srgbClr val="333333"/>
+              </a:solidFill>
+              <a:effectLst/>
+              <a:latin typeface="Microsoft Yahei" panose="020B0503020204020204" pitchFamily="34" charset="-122"/>
+              <a:ea typeface="Microsoft Yahei" panose="020B0503020204020204" pitchFamily="34" charset="-122"/>
+            </a:endParaRPr>
+          </a:p>
+        </p:txBody>
+      </p:sp>
+    </p:spTree>
+    <p:extLst>
+      <p:ext uri="{BB962C8B-B14F-4D97-AF65-F5344CB8AC3E}">
+        <p14:creationId xmlns:p14="http://schemas.microsoft.com/office/powerpoint/2010/main" val="1581474192"/>
+      </p:ext>
+    </p:extLst>
+  </p:cSld>
+  <p:clrMapOvr>
+    <a:masterClrMapping/>
+  </p:clrMapOvr>
+</p:sld>
+</file>
+
+<file path=ppt/slides/slide11.xml><?xml version="1.0" encoding="utf-8"?>
+<p:sld xmlns:a="http://schemas.openxmlformats.org/drawingml/2006/main" xmlns:r="http://schemas.openxmlformats.org/officeDocument/2006/relationships" xmlns:p="http://schemas.openxmlformats.org/presentationml/2006/main">
+  <p:cSld>
+    <p:spTree>
+      <p:nvGrpSpPr>
+        <p:cNvPr id="1" name=""/>
+        <p:cNvGrpSpPr/>
+        <p:nvPr/>
+      </p:nvGrpSpPr>
+      <p:grpSpPr>
+        <a:xfrm>
+          <a:off x="0" y="0"/>
+          <a:ext cx="0" cy="0"/>
+          <a:chOff x="0" y="0"/>
+          <a:chExt cx="0" cy="0"/>
+        </a:xfrm>
+      </p:grpSpPr>
+      <p:sp>
+        <p:nvSpPr>
+          <p:cNvPr id="2" name="标题 1"/>
+          <p:cNvSpPr>
+            <a:spLocks noGrp="1"/>
+          </p:cNvSpPr>
+          <p:nvPr>
+            <p:ph type="title"/>
+          </p:nvPr>
+        </p:nvSpPr>
+        <p:spPr/>
+        <p:txBody>
+          <a:bodyPr/>
+          <a:lstStyle/>
+          <a:p>
+            <a:r>
+              <a:rPr kumimoji="1" lang="zh-CN" altLang="en-US" dirty="0" smtClean="0"/>
+              <a:t>现状</a:t>
+            </a:r>
+            <a:endParaRPr kumimoji="1" lang="zh-CN" altLang="en-US" dirty="0"/>
+          </a:p>
+        </p:txBody>
+      </p:sp>
+      <p:pic>
+        <p:nvPicPr>
+          <p:cNvPr id="3" name="图片 2"/>
+          <p:cNvPicPr>
+            <a:picLocks noChangeAspect="1"/>
+          </p:cNvPicPr>
           <p:nvPr/>
-        </p:nvSpPr>
+        </p:nvPicPr>
+        <p:blipFill>
+          <a:blip r:embed="rId2"/>
+          <a:stretch>
+            <a:fillRect/>
+          </a:stretch>
+        </p:blipFill>
         <p:spPr>
           <a:xfrm>
-            <a:off x="838200" y="2716478"/>
-            <a:ext cx="10354994" cy="369332"/>
+            <a:off x="476769" y="2895690"/>
+            <a:ext cx="10983741" cy="1210691"/>
           </a:xfrm>
           <a:prstGeom prst="rect">
             <a:avLst/>
           </a:prstGeom>
         </p:spPr>
-        <p:txBody>
-          <a:bodyPr wrap="square">
-            <a:spAutoFit/>
-          </a:bodyPr>
-          <a:lstStyle/>
-          <a:p>
-            <a:r>
-              <a:rPr lang="zh-CN" altLang="en-US" b="0" i="0" smtClean="0">
-                <a:solidFill>
-                  <a:srgbClr val="333333"/>
-                </a:solidFill>
-                <a:effectLst/>
-                <a:latin typeface="arial" charset="0"/>
-              </a:rPr>
-              <a:t>现代社会，伴侣的闲置已经达到了惊人的程度，谁能盘活这个资源，谁就是新的创业英雄！</a:t>
-            </a:r>
-            <a:endParaRPr lang="zh-CN" altLang="en-US"/>
-          </a:p>
-        </p:txBody>
-      </p:sp>
+      </p:pic>
+      <p:pic>
+        <p:nvPicPr>
+          <p:cNvPr id="5" name="图片 4"/>
+          <p:cNvPicPr>
+            <a:picLocks noChangeAspect="1"/>
+          </p:cNvPicPr>
+          <p:nvPr/>
+        </p:nvPicPr>
+        <p:blipFill>
+          <a:blip r:embed="rId3"/>
+          <a:stretch>
+            <a:fillRect/>
+          </a:stretch>
+        </p:blipFill>
+        <p:spPr>
+          <a:xfrm>
+            <a:off x="838200" y="1490455"/>
+            <a:ext cx="10622310" cy="1490596"/>
+          </a:xfrm>
+          <a:prstGeom prst="rect">
+            <a:avLst/>
+          </a:prstGeom>
+        </p:spPr>
+      </p:pic>
+      <p:pic>
+        <p:nvPicPr>
+          <p:cNvPr id="6" name="图片 5"/>
+          <p:cNvPicPr>
+            <a:picLocks noChangeAspect="1"/>
+          </p:cNvPicPr>
+          <p:nvPr/>
+        </p:nvPicPr>
+        <p:blipFill>
+          <a:blip r:embed="rId4"/>
+          <a:stretch>
+            <a:fillRect/>
+          </a:stretch>
+        </p:blipFill>
+        <p:spPr>
+          <a:xfrm>
+            <a:off x="955343" y="4186052"/>
+            <a:ext cx="10398457" cy="823211"/>
+          </a:xfrm>
+          <a:prstGeom prst="rect">
+            <a:avLst/>
+          </a:prstGeom>
+        </p:spPr>
+      </p:pic>
     </p:spTree>
     <p:extLst>
       <p:ext uri="{BB962C8B-B14F-4D97-AF65-F5344CB8AC3E}">
-        <p14:creationId xmlns:p14="http://schemas.microsoft.com/office/powerpoint/2010/main" val="1296685251"/>
+        <p14:creationId xmlns:p14="http://schemas.microsoft.com/office/powerpoint/2010/main" val="611325424"/>
+      </p:ext>
+    </p:extLst>
+  </p:cSld>
+  <p:clrMapOvr>
+    <a:masterClrMapping/>
+  </p:clrMapOvr>
+</p:sld>
+</file>
+
+<file path=ppt/slides/slide12.xml><?xml version="1.0" encoding="utf-8"?>
+<p:sld xmlns:a="http://schemas.openxmlformats.org/drawingml/2006/main" xmlns:r="http://schemas.openxmlformats.org/officeDocument/2006/relationships" xmlns:p="http://schemas.openxmlformats.org/presentationml/2006/main">
+  <p:cSld>
+    <p:spTree>
+      <p:nvGrpSpPr>
+        <p:cNvPr id="1" name=""/>
+        <p:cNvGrpSpPr/>
+        <p:nvPr/>
+      </p:nvGrpSpPr>
+      <p:grpSpPr>
+        <a:xfrm>
+          <a:off x="0" y="0"/>
+          <a:ext cx="0" cy="0"/>
+          <a:chOff x="0" y="0"/>
+          <a:chExt cx="0" cy="0"/>
+        </a:xfrm>
+      </p:grpSpPr>
+      <p:sp>
+        <p:nvSpPr>
+          <p:cNvPr id="2" name="标题 1"/>
+          <p:cNvSpPr>
+            <a:spLocks noGrp="1"/>
+          </p:cNvSpPr>
+          <p:nvPr>
+            <p:ph type="title"/>
+          </p:nvPr>
+        </p:nvSpPr>
+        <p:spPr/>
+        <p:txBody>
+          <a:bodyPr/>
+          <a:lstStyle/>
+          <a:p>
+            <a:r>
+              <a:rPr kumimoji="1" lang="zh-CN" altLang="en-US" dirty="0" smtClean="0"/>
+              <a:t>现状</a:t>
+            </a:r>
+            <a:endParaRPr kumimoji="1" lang="zh-CN" altLang="en-US" dirty="0"/>
+          </a:p>
+        </p:txBody>
+      </p:sp>
+      <p:sp>
+        <p:nvSpPr>
+          <p:cNvPr id="4" name="矩形 3"/>
+          <p:cNvSpPr/>
+          <p:nvPr/>
+        </p:nvSpPr>
+        <p:spPr>
+          <a:xfrm>
+            <a:off x="1380299" y="1506022"/>
+            <a:ext cx="4136069" cy="369332"/>
+          </a:xfrm>
+          <a:prstGeom prst="rect">
+            <a:avLst/>
+          </a:prstGeom>
+        </p:spPr>
+        <p:txBody>
+          <a:bodyPr wrap="none">
+            <a:spAutoFit/>
+          </a:bodyPr>
+          <a:lstStyle/>
+          <a:p>
+            <a:r>
+              <a:rPr lang="zh-CN" altLang="en-US" b="1" dirty="0">
+                <a:solidFill>
+                  <a:srgbClr val="333333"/>
+                </a:solidFill>
+                <a:latin typeface="宋体" panose="02010600030101010101" pitchFamily="2" charset="-122"/>
+                <a:ea typeface="宋体" panose="02010600030101010101" pitchFamily="2" charset="-122"/>
+              </a:rPr>
+              <a:t>因为王者荣耀，共享充电宝需求会更火</a:t>
+            </a:r>
+            <a:endParaRPr lang="zh-CN" altLang="en-US" dirty="0"/>
+          </a:p>
+        </p:txBody>
+      </p:sp>
+    </p:spTree>
+    <p:extLst>
+      <p:ext uri="{BB962C8B-B14F-4D97-AF65-F5344CB8AC3E}">
+        <p14:creationId xmlns:p14="http://schemas.microsoft.com/office/powerpoint/2010/main" val="2056489252"/>
+      </p:ext>
+    </p:extLst>
+  </p:cSld>
+  <p:clrMapOvr>
+    <a:masterClrMapping/>
+  </p:clrMapOvr>
+</p:sld>
+</file>
+
+<file path=ppt/slides/slide13.xml><?xml version="1.0" encoding="utf-8"?>
+<p:sld xmlns:a="http://schemas.openxmlformats.org/drawingml/2006/main" xmlns:r="http://schemas.openxmlformats.org/officeDocument/2006/relationships" xmlns:p="http://schemas.openxmlformats.org/presentationml/2006/main">
+  <p:cSld>
+    <p:spTree>
+      <p:nvGrpSpPr>
+        <p:cNvPr id="1" name=""/>
+        <p:cNvGrpSpPr/>
+        <p:nvPr/>
+      </p:nvGrpSpPr>
+      <p:grpSpPr>
+        <a:xfrm>
+          <a:off x="0" y="0"/>
+          <a:ext cx="0" cy="0"/>
+          <a:chOff x="0" y="0"/>
+          <a:chExt cx="0" cy="0"/>
+        </a:xfrm>
+      </p:grpSpPr>
+      <p:sp>
+        <p:nvSpPr>
+          <p:cNvPr id="2" name="标题 1"/>
+          <p:cNvSpPr>
+            <a:spLocks noGrp="1"/>
+          </p:cNvSpPr>
+          <p:nvPr>
+            <p:ph type="title"/>
+          </p:nvPr>
+        </p:nvSpPr>
+        <p:spPr/>
+        <p:txBody>
+          <a:bodyPr/>
+          <a:lstStyle/>
+          <a:p>
+            <a:r>
+              <a:rPr lang="zh-CN" altLang="en-US" b="1" dirty="0" smtClean="0"/>
+              <a:t>怎么赚钱</a:t>
+            </a:r>
+            <a:endParaRPr kumimoji="1" lang="zh-CN" altLang="en-US" dirty="0"/>
+          </a:p>
+        </p:txBody>
+      </p:sp>
+      <p:sp>
+        <p:nvSpPr>
+          <p:cNvPr id="3" name="矩形 2"/>
+          <p:cNvSpPr/>
+          <p:nvPr/>
+        </p:nvSpPr>
+        <p:spPr>
+          <a:xfrm>
+            <a:off x="1397401" y="1659559"/>
+            <a:ext cx="1481496" cy="369332"/>
+          </a:xfrm>
+          <a:prstGeom prst="rect">
+            <a:avLst/>
+          </a:prstGeom>
+        </p:spPr>
+        <p:txBody>
+          <a:bodyPr wrap="none">
+            <a:spAutoFit/>
+          </a:bodyPr>
+          <a:lstStyle/>
+          <a:p>
+            <a:r>
+              <a:rPr lang="en-US" altLang="zh-CN" b="1" dirty="0">
+                <a:solidFill>
+                  <a:srgbClr val="333333"/>
+                </a:solidFill>
+                <a:latin typeface="Microsoft YaHei" panose="020B0503020204020204" pitchFamily="34" charset="-122"/>
+                <a:ea typeface="Microsoft YaHei" panose="020B0503020204020204" pitchFamily="34" charset="-122"/>
+              </a:rPr>
+              <a:t>1</a:t>
+            </a:r>
+            <a:r>
+              <a:rPr lang="zh-CN" altLang="en-US" b="1" dirty="0">
+                <a:solidFill>
+                  <a:srgbClr val="333333"/>
+                </a:solidFill>
+                <a:latin typeface="Microsoft YaHei" panose="020B0503020204020204" pitchFamily="34" charset="-122"/>
+                <a:ea typeface="Microsoft YaHei" panose="020B0503020204020204" pitchFamily="34" charset="-122"/>
+              </a:rPr>
+              <a:t>、租金收入</a:t>
+            </a:r>
+            <a:endParaRPr lang="zh-CN" altLang="en-US" dirty="0"/>
+          </a:p>
+        </p:txBody>
+      </p:sp>
+      <p:sp>
+        <p:nvSpPr>
+          <p:cNvPr id="5" name="矩形 4"/>
+          <p:cNvSpPr/>
+          <p:nvPr/>
+        </p:nvSpPr>
+        <p:spPr>
+          <a:xfrm>
+            <a:off x="1397401" y="2357230"/>
+            <a:ext cx="1943161" cy="369332"/>
+          </a:xfrm>
+          <a:prstGeom prst="rect">
+            <a:avLst/>
+          </a:prstGeom>
+        </p:spPr>
+        <p:txBody>
+          <a:bodyPr wrap="none">
+            <a:spAutoFit/>
+          </a:bodyPr>
+          <a:lstStyle/>
+          <a:p>
+            <a:r>
+              <a:rPr lang="en-US" altLang="zh-CN" b="1" dirty="0">
+                <a:solidFill>
+                  <a:srgbClr val="333333"/>
+                </a:solidFill>
+                <a:latin typeface="Microsoft YaHei" panose="020B0503020204020204" pitchFamily="34" charset="-122"/>
+                <a:ea typeface="Microsoft YaHei" panose="020B0503020204020204" pitchFamily="34" charset="-122"/>
+              </a:rPr>
+              <a:t>2</a:t>
+            </a:r>
+            <a:r>
+              <a:rPr lang="zh-CN" altLang="en-US" b="1" dirty="0">
+                <a:solidFill>
+                  <a:srgbClr val="333333"/>
+                </a:solidFill>
+                <a:latin typeface="Microsoft YaHei" panose="020B0503020204020204" pitchFamily="34" charset="-122"/>
+                <a:ea typeface="Microsoft YaHei" panose="020B0503020204020204" pitchFamily="34" charset="-122"/>
+              </a:rPr>
+              <a:t>、变相售卖产品</a:t>
+            </a:r>
+            <a:endParaRPr lang="zh-CN" altLang="en-US" dirty="0"/>
+          </a:p>
+        </p:txBody>
+      </p:sp>
+      <p:sp>
+        <p:nvSpPr>
+          <p:cNvPr id="6" name="矩形 5"/>
+          <p:cNvSpPr/>
+          <p:nvPr/>
+        </p:nvSpPr>
+        <p:spPr>
+          <a:xfrm>
+            <a:off x="1397401" y="3054901"/>
+            <a:ext cx="1888659" cy="369332"/>
+          </a:xfrm>
+          <a:prstGeom prst="rect">
+            <a:avLst/>
+          </a:prstGeom>
+        </p:spPr>
+        <p:txBody>
+          <a:bodyPr wrap="none">
+            <a:spAutoFit/>
+          </a:bodyPr>
+          <a:lstStyle/>
+          <a:p>
+            <a:r>
+              <a:rPr lang="en-US" altLang="zh-CN" b="1" dirty="0">
+                <a:solidFill>
+                  <a:srgbClr val="333333"/>
+                </a:solidFill>
+                <a:latin typeface="Microsoft YaHei" panose="020B0503020204020204" pitchFamily="34" charset="-122"/>
+                <a:ea typeface="Microsoft YaHei" panose="020B0503020204020204" pitchFamily="34" charset="-122"/>
+              </a:rPr>
+              <a:t>3</a:t>
+            </a:r>
+            <a:r>
+              <a:rPr lang="zh-CN" altLang="en-US" b="1" dirty="0">
+                <a:solidFill>
+                  <a:srgbClr val="333333"/>
+                </a:solidFill>
+                <a:latin typeface="Microsoft YaHei" panose="020B0503020204020204" pitchFamily="34" charset="-122"/>
+                <a:ea typeface="Microsoft YaHei" panose="020B0503020204020204" pitchFamily="34" charset="-122"/>
+              </a:rPr>
+              <a:t>、押金</a:t>
+            </a:r>
+            <a:r>
+              <a:rPr lang="en-US" altLang="zh-CN" b="1" dirty="0">
+                <a:solidFill>
+                  <a:srgbClr val="333333"/>
+                </a:solidFill>
+                <a:latin typeface="Microsoft YaHei" panose="020B0503020204020204" pitchFamily="34" charset="-122"/>
+                <a:ea typeface="Microsoft YaHei" panose="020B0503020204020204" pitchFamily="34" charset="-122"/>
+              </a:rPr>
+              <a:t>=</a:t>
+            </a:r>
+            <a:r>
+              <a:rPr lang="zh-CN" altLang="en-US" b="1" dirty="0">
+                <a:solidFill>
+                  <a:srgbClr val="333333"/>
+                </a:solidFill>
+                <a:latin typeface="Microsoft YaHei" panose="020B0503020204020204" pitchFamily="34" charset="-122"/>
+                <a:ea typeface="Microsoft YaHei" panose="020B0503020204020204" pitchFamily="34" charset="-122"/>
+              </a:rPr>
+              <a:t>不动产</a:t>
+            </a:r>
+            <a:endParaRPr lang="zh-CN" altLang="en-US" dirty="0"/>
+          </a:p>
+        </p:txBody>
+      </p:sp>
+      <p:sp>
+        <p:nvSpPr>
+          <p:cNvPr id="7" name="矩形 6"/>
+          <p:cNvSpPr/>
+          <p:nvPr/>
+        </p:nvSpPr>
+        <p:spPr>
+          <a:xfrm>
+            <a:off x="1397401" y="3752572"/>
+            <a:ext cx="1481496" cy="369332"/>
+          </a:xfrm>
+          <a:prstGeom prst="rect">
+            <a:avLst/>
+          </a:prstGeom>
+        </p:spPr>
+        <p:txBody>
+          <a:bodyPr wrap="none">
+            <a:spAutoFit/>
+          </a:bodyPr>
+          <a:lstStyle/>
+          <a:p>
+            <a:r>
+              <a:rPr lang="en-US" altLang="zh-CN" b="1" smtClean="0">
+                <a:solidFill>
+                  <a:srgbClr val="333333"/>
+                </a:solidFill>
+                <a:latin typeface="Microsoft YaHei" panose="020B0503020204020204" pitchFamily="34" charset="-122"/>
+                <a:ea typeface="Microsoft YaHei" panose="020B0503020204020204" pitchFamily="34" charset="-122"/>
+              </a:rPr>
+              <a:t>4</a:t>
+            </a:r>
+            <a:r>
+              <a:rPr lang="zh-CN" altLang="en-US" b="1" smtClean="0">
+                <a:solidFill>
+                  <a:srgbClr val="333333"/>
+                </a:solidFill>
+                <a:latin typeface="Microsoft YaHei" panose="020B0503020204020204" pitchFamily="34" charset="-122"/>
+                <a:ea typeface="Microsoft YaHei" panose="020B0503020204020204" pitchFamily="34" charset="-122"/>
+              </a:rPr>
+              <a:t>、广告收入</a:t>
+            </a:r>
+            <a:endParaRPr lang="zh-CN" altLang="en-US" dirty="0"/>
+          </a:p>
+        </p:txBody>
+      </p:sp>
+      <p:sp>
+        <p:nvSpPr>
+          <p:cNvPr id="8" name="矩形 7"/>
+          <p:cNvSpPr/>
+          <p:nvPr/>
+        </p:nvSpPr>
+        <p:spPr>
+          <a:xfrm>
+            <a:off x="1397401" y="4450243"/>
+            <a:ext cx="1019831" cy="369332"/>
+          </a:xfrm>
+          <a:prstGeom prst="rect">
+            <a:avLst/>
+          </a:prstGeom>
+        </p:spPr>
+        <p:txBody>
+          <a:bodyPr wrap="none">
+            <a:spAutoFit/>
+          </a:bodyPr>
+          <a:lstStyle/>
+          <a:p>
+            <a:r>
+              <a:rPr lang="en-US" altLang="zh-CN" b="1" dirty="0">
+                <a:solidFill>
+                  <a:srgbClr val="333333"/>
+                </a:solidFill>
+                <a:latin typeface="Microsoft YaHei" panose="020B0503020204020204" pitchFamily="34" charset="-122"/>
+                <a:ea typeface="Microsoft YaHei" panose="020B0503020204020204" pitchFamily="34" charset="-122"/>
+              </a:rPr>
+              <a:t>5</a:t>
+            </a:r>
+            <a:r>
+              <a:rPr lang="zh-CN" altLang="en-US" b="1" dirty="0">
+                <a:solidFill>
+                  <a:srgbClr val="333333"/>
+                </a:solidFill>
+                <a:latin typeface="Microsoft YaHei" panose="020B0503020204020204" pitchFamily="34" charset="-122"/>
+                <a:ea typeface="Microsoft YaHei" panose="020B0503020204020204" pitchFamily="34" charset="-122"/>
+              </a:rPr>
+              <a:t>、融资</a:t>
+            </a:r>
+            <a:endParaRPr lang="zh-CN" altLang="en-US" dirty="0"/>
+          </a:p>
+        </p:txBody>
+      </p:sp>
+    </p:spTree>
+    <p:extLst>
+      <p:ext uri="{BB962C8B-B14F-4D97-AF65-F5344CB8AC3E}">
+        <p14:creationId xmlns:p14="http://schemas.microsoft.com/office/powerpoint/2010/main" val="62352843"/>
+      </p:ext>
+    </p:extLst>
+  </p:cSld>
+  <p:clrMapOvr>
+    <a:masterClrMapping/>
+  </p:clrMapOvr>
+</p:sld>
+</file>
+
+<file path=ppt/slides/slide14.xml><?xml version="1.0" encoding="utf-8"?>
+<p:sld xmlns:a="http://schemas.openxmlformats.org/drawingml/2006/main" xmlns:r="http://schemas.openxmlformats.org/officeDocument/2006/relationships" xmlns:p="http://schemas.openxmlformats.org/presentationml/2006/main">
+  <p:cSld>
+    <p:spTree>
+      <p:nvGrpSpPr>
+        <p:cNvPr id="1" name=""/>
+        <p:cNvGrpSpPr/>
+        <p:nvPr/>
+      </p:nvGrpSpPr>
+      <p:grpSpPr>
+        <a:xfrm>
+          <a:off x="0" y="0"/>
+          <a:ext cx="0" cy="0"/>
+          <a:chOff x="0" y="0"/>
+          <a:chExt cx="0" cy="0"/>
+        </a:xfrm>
+      </p:grpSpPr>
+      <p:sp>
+        <p:nvSpPr>
+          <p:cNvPr id="2" name="标题 1"/>
+          <p:cNvSpPr>
+            <a:spLocks noGrp="1"/>
+          </p:cNvSpPr>
+          <p:nvPr>
+            <p:ph type="title"/>
+          </p:nvPr>
+        </p:nvSpPr>
+        <p:spPr/>
+        <p:txBody>
+          <a:bodyPr/>
+          <a:lstStyle/>
+          <a:p>
+            <a:r>
+              <a:rPr lang="zh-CN" altLang="en-US" dirty="0"/>
+              <a:t>共享充电宝能盈利吗？</a:t>
+            </a:r>
+            <a:endParaRPr kumimoji="1" lang="zh-CN" altLang="en-US" dirty="0"/>
+          </a:p>
+        </p:txBody>
+      </p:sp>
+    </p:spTree>
+    <p:extLst>
+      <p:ext uri="{BB962C8B-B14F-4D97-AF65-F5344CB8AC3E}">
+        <p14:creationId xmlns:p14="http://schemas.microsoft.com/office/powerpoint/2010/main" val="651720865"/>
+      </p:ext>
+    </p:extLst>
+  </p:cSld>
+  <p:clrMapOvr>
+    <a:masterClrMapping/>
+  </p:clrMapOvr>
+</p:sld>
+</file>
+
+<file path=ppt/slides/slide15.xml><?xml version="1.0" encoding="utf-8"?>
+<p:sld xmlns:a="http://schemas.openxmlformats.org/drawingml/2006/main" xmlns:r="http://schemas.openxmlformats.org/officeDocument/2006/relationships" xmlns:p="http://schemas.openxmlformats.org/presentationml/2006/main">
+  <p:cSld>
+    <p:spTree>
+      <p:nvGrpSpPr>
+        <p:cNvPr id="1" name=""/>
+        <p:cNvGrpSpPr/>
+        <p:nvPr/>
+      </p:nvGrpSpPr>
+      <p:grpSpPr>
+        <a:xfrm>
+          <a:off x="0" y="0"/>
+          <a:ext cx="0" cy="0"/>
+          <a:chOff x="0" y="0"/>
+          <a:chExt cx="0" cy="0"/>
+        </a:xfrm>
+      </p:grpSpPr>
+      <p:sp>
+        <p:nvSpPr>
+          <p:cNvPr id="2" name="标题 1"/>
+          <p:cNvSpPr>
+            <a:spLocks noGrp="1"/>
+          </p:cNvSpPr>
+          <p:nvPr>
+            <p:ph type="title"/>
+          </p:nvPr>
+        </p:nvSpPr>
+        <p:spPr/>
+        <p:txBody>
+          <a:bodyPr/>
+          <a:lstStyle/>
+          <a:p>
+            <a:r>
+              <a:rPr kumimoji="1" lang="zh-CN" altLang="en-US" smtClean="0"/>
+              <a:t>问题</a:t>
+            </a:r>
+            <a:endParaRPr kumimoji="1" lang="zh-CN" altLang="en-US" dirty="0"/>
+          </a:p>
+        </p:txBody>
+      </p:sp>
+      <p:sp>
+        <p:nvSpPr>
+          <p:cNvPr id="4" name="矩形 3"/>
+          <p:cNvSpPr/>
+          <p:nvPr/>
+        </p:nvSpPr>
+        <p:spPr>
+          <a:xfrm>
+            <a:off x="1387292" y="1690688"/>
+            <a:ext cx="5012911" cy="369332"/>
+          </a:xfrm>
+          <a:prstGeom prst="rect">
+            <a:avLst/>
+          </a:prstGeom>
+        </p:spPr>
+        <p:txBody>
+          <a:bodyPr wrap="none">
+            <a:spAutoFit/>
+          </a:bodyPr>
+          <a:lstStyle/>
+          <a:p>
+            <a:r>
+              <a:rPr lang="en-US" altLang="zh-CN" b="1" dirty="0">
+                <a:solidFill>
+                  <a:srgbClr val="333333"/>
+                </a:solidFill>
+                <a:latin typeface="Microsoft YaHei" panose="020B0503020204020204" pitchFamily="34" charset="-122"/>
+                <a:ea typeface="Microsoft YaHei" panose="020B0503020204020204" pitchFamily="34" charset="-122"/>
+              </a:rPr>
+              <a:t>1</a:t>
+            </a:r>
+            <a:r>
+              <a:rPr lang="zh-CN" altLang="en-US" b="1" dirty="0">
+                <a:solidFill>
+                  <a:srgbClr val="333333"/>
+                </a:solidFill>
+                <a:latin typeface="Microsoft YaHei" panose="020B0503020204020204" pitchFamily="34" charset="-122"/>
+                <a:ea typeface="Microsoft YaHei" panose="020B0503020204020204" pitchFamily="34" charset="-122"/>
+              </a:rPr>
+              <a:t>、安全性如何给用户</a:t>
+            </a:r>
+            <a:r>
+              <a:rPr lang="zh-CN" altLang="en-US" b="1" dirty="0" smtClean="0">
+                <a:solidFill>
+                  <a:srgbClr val="333333"/>
+                </a:solidFill>
+                <a:latin typeface="Microsoft YaHei" panose="020B0503020204020204" pitchFamily="34" charset="-122"/>
+                <a:ea typeface="Microsoft YaHei" panose="020B0503020204020204" pitchFamily="34" charset="-122"/>
+              </a:rPr>
+              <a:t>信心 </a:t>
+            </a:r>
+            <a:r>
+              <a:rPr lang="en-US" altLang="zh-CN" b="1" dirty="0" smtClean="0">
+                <a:solidFill>
+                  <a:srgbClr val="333333"/>
+                </a:solidFill>
+                <a:latin typeface="Microsoft YaHei" panose="020B0503020204020204" pitchFamily="34" charset="-122"/>
+                <a:ea typeface="Microsoft YaHei" panose="020B0503020204020204" pitchFamily="34" charset="-122"/>
+              </a:rPr>
+              <a:t>(</a:t>
+            </a:r>
+            <a:r>
+              <a:rPr lang="zh-CN" altLang="en-US" dirty="0"/>
+              <a:t>爆炸、</a:t>
+            </a:r>
+            <a:r>
+              <a:rPr lang="zh-CN" altLang="en-US" dirty="0" smtClean="0"/>
+              <a:t>失火、隐私’</a:t>
+            </a:r>
+            <a:r>
+              <a:rPr lang="en-US" altLang="zh-CN" b="1" dirty="0" smtClean="0">
+                <a:solidFill>
+                  <a:srgbClr val="333333"/>
+                </a:solidFill>
+                <a:latin typeface="Microsoft YaHei" panose="020B0503020204020204" pitchFamily="34" charset="-122"/>
+                <a:ea typeface="Microsoft YaHei" panose="020B0503020204020204" pitchFamily="34" charset="-122"/>
+              </a:rPr>
+              <a:t>)</a:t>
+            </a:r>
+            <a:endParaRPr lang="zh-CN" altLang="en-US" dirty="0"/>
+          </a:p>
+        </p:txBody>
+      </p:sp>
+      <p:sp>
+        <p:nvSpPr>
+          <p:cNvPr id="5" name="矩形 4"/>
+          <p:cNvSpPr/>
+          <p:nvPr/>
+        </p:nvSpPr>
+        <p:spPr>
+          <a:xfrm>
+            <a:off x="1387292" y="2227155"/>
+            <a:ext cx="3097323" cy="369332"/>
+          </a:xfrm>
+          <a:prstGeom prst="rect">
+            <a:avLst/>
+          </a:prstGeom>
+        </p:spPr>
+        <p:txBody>
+          <a:bodyPr wrap="none">
+            <a:spAutoFit/>
+          </a:bodyPr>
+          <a:lstStyle/>
+          <a:p>
+            <a:r>
+              <a:rPr lang="en-US" altLang="zh-CN" b="1" dirty="0">
+                <a:solidFill>
+                  <a:srgbClr val="333333"/>
+                </a:solidFill>
+                <a:latin typeface="Microsoft YaHei" panose="020B0503020204020204" pitchFamily="34" charset="-122"/>
+                <a:ea typeface="Microsoft YaHei" panose="020B0503020204020204" pitchFamily="34" charset="-122"/>
+              </a:rPr>
+              <a:t>2</a:t>
+            </a:r>
+            <a:r>
+              <a:rPr lang="zh-CN" altLang="en-US" b="1" dirty="0">
+                <a:solidFill>
+                  <a:srgbClr val="333333"/>
+                </a:solidFill>
+                <a:latin typeface="Microsoft YaHei" panose="020B0503020204020204" pitchFamily="34" charset="-122"/>
+                <a:ea typeface="Microsoft YaHei" panose="020B0503020204020204" pitchFamily="34" charset="-122"/>
+              </a:rPr>
+              <a:t>、可复制性过强，门槛较低</a:t>
+            </a:r>
+            <a:endParaRPr lang="zh-CN" altLang="en-US" dirty="0"/>
+          </a:p>
+        </p:txBody>
+      </p:sp>
+      <p:sp>
+        <p:nvSpPr>
+          <p:cNvPr id="6" name="矩形 5"/>
+          <p:cNvSpPr/>
+          <p:nvPr/>
+        </p:nvSpPr>
+        <p:spPr>
+          <a:xfrm>
+            <a:off x="1387292" y="2875002"/>
+            <a:ext cx="3328155" cy="369332"/>
+          </a:xfrm>
+          <a:prstGeom prst="rect">
+            <a:avLst/>
+          </a:prstGeom>
+        </p:spPr>
+        <p:txBody>
+          <a:bodyPr wrap="none">
+            <a:spAutoFit/>
+          </a:bodyPr>
+          <a:lstStyle/>
+          <a:p>
+            <a:r>
+              <a:rPr lang="en-US" altLang="zh-CN" b="1" dirty="0">
+                <a:solidFill>
+                  <a:srgbClr val="333333"/>
+                </a:solidFill>
+                <a:latin typeface="Microsoft YaHei" panose="020B0503020204020204" pitchFamily="34" charset="-122"/>
+                <a:ea typeface="Microsoft YaHei" panose="020B0503020204020204" pitchFamily="34" charset="-122"/>
+              </a:rPr>
+              <a:t>3</a:t>
+            </a:r>
+            <a:r>
+              <a:rPr lang="zh-CN" altLang="en-US" b="1" dirty="0">
+                <a:solidFill>
+                  <a:srgbClr val="333333"/>
+                </a:solidFill>
+                <a:latin typeface="Microsoft YaHei" panose="020B0503020204020204" pitchFamily="34" charset="-122"/>
+                <a:ea typeface="Microsoft YaHei" panose="020B0503020204020204" pitchFamily="34" charset="-122"/>
+              </a:rPr>
+              <a:t>、网点铺设难度目前较难解决</a:t>
+            </a:r>
+            <a:endParaRPr lang="zh-CN" altLang="en-US" dirty="0"/>
+          </a:p>
+        </p:txBody>
+      </p:sp>
+      <p:sp>
+        <p:nvSpPr>
+          <p:cNvPr id="7" name="矩形 6"/>
+          <p:cNvSpPr/>
+          <p:nvPr/>
+        </p:nvSpPr>
+        <p:spPr>
+          <a:xfrm>
+            <a:off x="1387292" y="3522849"/>
+            <a:ext cx="4020652" cy="369332"/>
+          </a:xfrm>
+          <a:prstGeom prst="rect">
+            <a:avLst/>
+          </a:prstGeom>
+        </p:spPr>
+        <p:txBody>
+          <a:bodyPr wrap="none">
+            <a:spAutoFit/>
+          </a:bodyPr>
+          <a:lstStyle/>
+          <a:p>
+            <a:r>
+              <a:rPr lang="en-US" altLang="zh-CN" b="1" dirty="0">
+                <a:solidFill>
+                  <a:srgbClr val="333333"/>
+                </a:solidFill>
+                <a:latin typeface="Microsoft YaHei" panose="020B0503020204020204" pitchFamily="34" charset="-122"/>
+                <a:ea typeface="Microsoft YaHei" panose="020B0503020204020204" pitchFamily="34" charset="-122"/>
+              </a:rPr>
+              <a:t>4</a:t>
+            </a:r>
+            <a:r>
+              <a:rPr lang="zh-CN" altLang="en-US" b="1" dirty="0">
+                <a:solidFill>
+                  <a:srgbClr val="333333"/>
+                </a:solidFill>
+                <a:latin typeface="Microsoft YaHei" panose="020B0503020204020204" pitchFamily="34" charset="-122"/>
+                <a:ea typeface="Microsoft YaHei" panose="020B0503020204020204" pitchFamily="34" charset="-122"/>
+              </a:rPr>
+              <a:t>、我们对共享充电宝的刚需有多少？</a:t>
+            </a:r>
+            <a:endParaRPr lang="zh-CN" altLang="en-US" dirty="0"/>
+          </a:p>
+        </p:txBody>
+      </p:sp>
+    </p:spTree>
+    <p:extLst>
+      <p:ext uri="{BB962C8B-B14F-4D97-AF65-F5344CB8AC3E}">
+        <p14:creationId xmlns:p14="http://schemas.microsoft.com/office/powerpoint/2010/main" val="1207211764"/>
+      </p:ext>
+    </p:extLst>
+  </p:cSld>
+  <p:clrMapOvr>
+    <a:masterClrMapping/>
+  </p:clrMapOvr>
+</p:sld>
+</file>
+
+<file path=ppt/slides/slide16.xml><?xml version="1.0" encoding="utf-8"?>
+<p:sld xmlns:a="http://schemas.openxmlformats.org/drawingml/2006/main" xmlns:r="http://schemas.openxmlformats.org/officeDocument/2006/relationships" xmlns:p="http://schemas.openxmlformats.org/presentationml/2006/main">
+  <p:cSld>
+    <p:spTree>
+      <p:nvGrpSpPr>
+        <p:cNvPr id="1" name=""/>
+        <p:cNvGrpSpPr/>
+        <p:nvPr/>
+      </p:nvGrpSpPr>
+      <p:grpSpPr>
+        <a:xfrm>
+          <a:off x="0" y="0"/>
+          <a:ext cx="0" cy="0"/>
+          <a:chOff x="0" y="0"/>
+          <a:chExt cx="0" cy="0"/>
+        </a:xfrm>
+      </p:grpSpPr>
+      <p:sp>
+        <p:nvSpPr>
+          <p:cNvPr id="2" name="标题 1"/>
+          <p:cNvSpPr>
+            <a:spLocks noGrp="1"/>
+          </p:cNvSpPr>
+          <p:nvPr>
+            <p:ph type="title"/>
+          </p:nvPr>
+        </p:nvSpPr>
+        <p:spPr/>
+        <p:txBody>
+          <a:bodyPr/>
+          <a:lstStyle/>
+          <a:p>
+            <a:r>
+              <a:rPr kumimoji="1" lang="zh-CN" altLang="en-US" dirty="0" smtClean="0"/>
+              <a:t>共享雨伞</a:t>
+            </a:r>
+            <a:endParaRPr kumimoji="1" lang="zh-CN" altLang="en-US" dirty="0"/>
+          </a:p>
+        </p:txBody>
+      </p:sp>
+    </p:spTree>
+    <p:extLst>
+      <p:ext uri="{BB962C8B-B14F-4D97-AF65-F5344CB8AC3E}">
+        <p14:creationId xmlns:p14="http://schemas.microsoft.com/office/powerpoint/2010/main" val="127831047"/>
+      </p:ext>
+    </p:extLst>
+  </p:cSld>
+  <p:clrMapOvr>
+    <a:masterClrMapping/>
+  </p:clrMapOvr>
+</p:sld>
+</file>
+
+<file path=ppt/slides/slide17.xml><?xml version="1.0" encoding="utf-8"?>
+<p:sld xmlns:a="http://schemas.openxmlformats.org/drawingml/2006/main" xmlns:r="http://schemas.openxmlformats.org/officeDocument/2006/relationships" xmlns:p="http://schemas.openxmlformats.org/presentationml/2006/main">
+  <p:cSld>
+    <p:spTree>
+      <p:nvGrpSpPr>
+        <p:cNvPr id="1" name=""/>
+        <p:cNvGrpSpPr/>
+        <p:nvPr/>
+      </p:nvGrpSpPr>
+      <p:grpSpPr>
+        <a:xfrm>
+          <a:off x="0" y="0"/>
+          <a:ext cx="0" cy="0"/>
+          <a:chOff x="0" y="0"/>
+          <a:chExt cx="0" cy="0"/>
+        </a:xfrm>
+      </p:grpSpPr>
+      <p:sp>
+        <p:nvSpPr>
+          <p:cNvPr id="2" name="标题 1"/>
+          <p:cNvSpPr>
+            <a:spLocks noGrp="1"/>
+          </p:cNvSpPr>
+          <p:nvPr>
+            <p:ph type="title"/>
+          </p:nvPr>
+        </p:nvSpPr>
+        <p:spPr/>
+        <p:txBody>
+          <a:bodyPr/>
+          <a:lstStyle/>
+          <a:p>
+            <a:r>
+              <a:rPr kumimoji="1" lang="zh-CN" altLang="en-US" dirty="0" smtClean="0"/>
+              <a:t>共享篮球</a:t>
+            </a:r>
+            <a:endParaRPr kumimoji="1" lang="zh-CN" altLang="en-US" dirty="0"/>
+          </a:p>
+        </p:txBody>
+      </p:sp>
+      <p:pic>
+        <p:nvPicPr>
+          <p:cNvPr id="13316" name="Picture 4" descr="http://img1.mydrivers.com/img/20170503/b7b519b3bfa54b119dedc7e7c1945ae8.jpg"/>
+          <p:cNvPicPr>
+            <a:picLocks noChangeAspect="1" noChangeArrowheads="1"/>
+          </p:cNvPicPr>
+          <p:nvPr/>
+        </p:nvPicPr>
+        <p:blipFill>
+          <a:blip r:embed="rId2">
+            <a:extLst>
+              <a:ext uri="{28A0092B-C50C-407E-A947-70E740481C1C}">
+                <a14:useLocalDpi xmlns:a14="http://schemas.microsoft.com/office/drawing/2010/main" val="0"/>
+              </a:ext>
+            </a:extLst>
+          </a:blip>
+          <a:srcRect/>
+          <a:stretch>
+            <a:fillRect/>
+          </a:stretch>
+        </p:blipFill>
+        <p:spPr bwMode="auto">
+          <a:xfrm>
+            <a:off x="3539896" y="532263"/>
+            <a:ext cx="7677426" cy="5768976"/>
+          </a:xfrm>
+          <a:prstGeom prst="rect">
+            <a:avLst/>
+          </a:prstGeom>
+          <a:noFill/>
+          <a:extLst>
+            <a:ext uri="{909E8E84-426E-40DD-AFC4-6F175D3DCCD1}">
+              <a14:hiddenFill xmlns:a14="http://schemas.microsoft.com/office/drawing/2010/main">
+                <a:solidFill>
+                  <a:srgbClr val="FFFFFF"/>
+                </a:solidFill>
+              </a14:hiddenFill>
+            </a:ext>
+          </a:extLst>
+        </p:spPr>
+      </p:pic>
+    </p:spTree>
+    <p:extLst>
+      <p:ext uri="{BB962C8B-B14F-4D97-AF65-F5344CB8AC3E}">
+        <p14:creationId xmlns:p14="http://schemas.microsoft.com/office/powerpoint/2010/main" val="972759929"/>
+      </p:ext>
+    </p:extLst>
+  </p:cSld>
+  <p:clrMapOvr>
+    <a:masterClrMapping/>
+  </p:clrMapOvr>
+</p:sld>
+</file>
+
+<file path=ppt/slides/slide18.xml><?xml version="1.0" encoding="utf-8"?>
+<p:sld xmlns:a="http://schemas.openxmlformats.org/drawingml/2006/main" xmlns:r="http://schemas.openxmlformats.org/officeDocument/2006/relationships" xmlns:p="http://schemas.openxmlformats.org/presentationml/2006/main">
+  <p:cSld>
+    <p:spTree>
+      <p:nvGrpSpPr>
+        <p:cNvPr id="1" name=""/>
+        <p:cNvGrpSpPr/>
+        <p:nvPr/>
+      </p:nvGrpSpPr>
+      <p:grpSpPr>
+        <a:xfrm>
+          <a:off x="0" y="0"/>
+          <a:ext cx="0" cy="0"/>
+          <a:chOff x="0" y="0"/>
+          <a:chExt cx="0" cy="0"/>
+        </a:xfrm>
+      </p:grpSpPr>
+      <p:sp>
+        <p:nvSpPr>
+          <p:cNvPr id="2" name="标题 1"/>
+          <p:cNvSpPr>
+            <a:spLocks noGrp="1"/>
+          </p:cNvSpPr>
+          <p:nvPr>
+            <p:ph type="title"/>
+          </p:nvPr>
+        </p:nvSpPr>
+        <p:spPr/>
+        <p:txBody>
+          <a:bodyPr/>
+          <a:lstStyle/>
+          <a:p>
+            <a:r>
+              <a:rPr lang="zh-CN" altLang="en-US" b="1" dirty="0"/>
+              <a:t>共享养老院</a:t>
+            </a:r>
+            <a:br>
+              <a:rPr lang="zh-CN" altLang="en-US" b="1" dirty="0"/>
+            </a:br>
+            <a:endParaRPr kumimoji="1" lang="zh-CN" altLang="en-US" dirty="0"/>
+          </a:p>
+        </p:txBody>
+      </p:sp>
+      <p:pic>
+        <p:nvPicPr>
+          <p:cNvPr id="12290" name="Picture 2" descr="http://img.mp.itc.cn/upload/20170422/03c40a9ec93d49e492872fc306083247_th.jpeg"/>
+          <p:cNvPicPr>
+            <a:picLocks noChangeAspect="1" noChangeArrowheads="1"/>
+          </p:cNvPicPr>
+          <p:nvPr/>
+        </p:nvPicPr>
+        <p:blipFill>
+          <a:blip r:embed="rId2">
+            <a:extLst>
+              <a:ext uri="{28A0092B-C50C-407E-A947-70E740481C1C}">
+                <a14:useLocalDpi xmlns:a14="http://schemas.microsoft.com/office/drawing/2010/main" val="0"/>
+              </a:ext>
+            </a:extLst>
+          </a:blip>
+          <a:srcRect/>
+          <a:stretch>
+            <a:fillRect/>
+          </a:stretch>
+        </p:blipFill>
+        <p:spPr bwMode="auto">
+          <a:xfrm>
+            <a:off x="1888840" y="1690688"/>
+            <a:ext cx="6096000" cy="4067176"/>
+          </a:xfrm>
+          <a:prstGeom prst="rect">
+            <a:avLst/>
+          </a:prstGeom>
+          <a:noFill/>
+          <a:extLst>
+            <a:ext uri="{909E8E84-426E-40DD-AFC4-6F175D3DCCD1}">
+              <a14:hiddenFill xmlns:a14="http://schemas.microsoft.com/office/drawing/2010/main">
+                <a:solidFill>
+                  <a:srgbClr val="FFFFFF"/>
+                </a:solidFill>
+              </a14:hiddenFill>
+            </a:ext>
+          </a:extLst>
+        </p:spPr>
+      </p:pic>
+    </p:spTree>
+    <p:extLst>
+      <p:ext uri="{BB962C8B-B14F-4D97-AF65-F5344CB8AC3E}">
+        <p14:creationId xmlns:p14="http://schemas.microsoft.com/office/powerpoint/2010/main" val="2512348780"/>
+      </p:ext>
+    </p:extLst>
+  </p:cSld>
+  <p:clrMapOvr>
+    <a:masterClrMapping/>
+  </p:clrMapOvr>
+</p:sld>
+</file>
+
+<file path=ppt/slides/slide19.xml><?xml version="1.0" encoding="utf-8"?>
+<p:sld xmlns:a="http://schemas.openxmlformats.org/drawingml/2006/main" xmlns:r="http://schemas.openxmlformats.org/officeDocument/2006/relationships" xmlns:p="http://schemas.openxmlformats.org/presentationml/2006/main">
+  <p:cSld>
+    <p:spTree>
+      <p:nvGrpSpPr>
+        <p:cNvPr id="1" name=""/>
+        <p:cNvGrpSpPr/>
+        <p:nvPr/>
+      </p:nvGrpSpPr>
+      <p:grpSpPr>
+        <a:xfrm>
+          <a:off x="0" y="0"/>
+          <a:ext cx="0" cy="0"/>
+          <a:chOff x="0" y="0"/>
+          <a:chExt cx="0" cy="0"/>
+        </a:xfrm>
+      </p:grpSpPr>
+      <p:sp>
+        <p:nvSpPr>
+          <p:cNvPr id="2" name="标题 1"/>
+          <p:cNvSpPr>
+            <a:spLocks noGrp="1"/>
+          </p:cNvSpPr>
+          <p:nvPr>
+            <p:ph type="title"/>
+          </p:nvPr>
+        </p:nvSpPr>
+        <p:spPr/>
+        <p:txBody>
+          <a:bodyPr/>
+          <a:lstStyle/>
+          <a:p>
+            <a:r>
+              <a:rPr lang="zh-CN" altLang="en-US" b="1" dirty="0" smtClean="0"/>
+              <a:t>共享</a:t>
+            </a:r>
+            <a:r>
+              <a:rPr lang="zh-CN" altLang="en-US" b="1" dirty="0"/>
+              <a:t>空间</a:t>
+            </a:r>
+            <a:br>
+              <a:rPr lang="zh-CN" altLang="en-US" b="1" dirty="0"/>
+            </a:br>
+            <a:endParaRPr kumimoji="1" lang="zh-CN" altLang="en-US" dirty="0"/>
+          </a:p>
+        </p:txBody>
+      </p:sp>
+    </p:spTree>
+    <p:extLst>
+      <p:ext uri="{BB962C8B-B14F-4D97-AF65-F5344CB8AC3E}">
+        <p14:creationId xmlns:p14="http://schemas.microsoft.com/office/powerpoint/2010/main" val="3369859771"/>
       </p:ext>
     </p:extLst>
   </p:cSld>
@@ -3687,6 +4825,77 @@
           <a:chExt cx="0" cy="0"/>
         </a:xfrm>
       </p:grpSpPr>
+      <p:pic>
+        <p:nvPicPr>
+          <p:cNvPr id="1026" name="Picture 2" descr="2017 上半年伪共享横行，共享单车吸金超百亿，充电宝由疯狂趋于沉寂"/>
+          <p:cNvPicPr>
+            <a:picLocks noChangeAspect="1" noChangeArrowheads="1"/>
+          </p:cNvPicPr>
+          <p:nvPr/>
+        </p:nvPicPr>
+        <p:blipFill>
+          <a:blip r:embed="rId2">
+            <a:extLst>
+              <a:ext uri="{28A0092B-C50C-407E-A947-70E740481C1C}">
+                <a14:useLocalDpi xmlns:a14="http://schemas.microsoft.com/office/drawing/2010/main" val="0"/>
+              </a:ext>
+            </a:extLst>
+          </a:blip>
+          <a:srcRect/>
+          <a:stretch>
+            <a:fillRect/>
+          </a:stretch>
+        </p:blipFill>
+        <p:spPr bwMode="auto">
+          <a:xfrm>
+            <a:off x="2565778" y="221431"/>
+            <a:ext cx="7137779" cy="6309022"/>
+          </a:xfrm>
+          <a:prstGeom prst="rect">
+            <a:avLst/>
+          </a:prstGeom>
+          <a:noFill/>
+          <a:extLst>
+            <a:ext uri="{909E8E84-426E-40DD-AFC4-6F175D3DCCD1}">
+              <a14:hiddenFill xmlns:a14="http://schemas.microsoft.com/office/drawing/2010/main">
+                <a:solidFill>
+                  <a:srgbClr val="FFFFFF"/>
+                </a:solidFill>
+              </a14:hiddenFill>
+            </a:ext>
+          </a:extLst>
+        </p:spPr>
+      </p:pic>
+    </p:spTree>
+    <p:extLst>
+      <p:ext uri="{BB962C8B-B14F-4D97-AF65-F5344CB8AC3E}">
+        <p14:creationId xmlns:p14="http://schemas.microsoft.com/office/powerpoint/2010/main" val="377641638"/>
+      </p:ext>
+    </p:extLst>
+  </p:cSld>
+  <p:clrMapOvr>
+    <a:masterClrMapping/>
+  </p:clrMapOvr>
+</p:sld>
+</file>
+
+<file path=ppt/slides/slide20.xml><?xml version="1.0" encoding="utf-8"?>
+<p:sld xmlns:a="http://schemas.openxmlformats.org/drawingml/2006/main" xmlns:r="http://schemas.openxmlformats.org/officeDocument/2006/relationships" xmlns:p="http://schemas.openxmlformats.org/presentationml/2006/main">
+  <p:cSld>
+    <p:spTree>
+      <p:nvGrpSpPr>
+        <p:cNvPr id="1" name=""/>
+        <p:cNvGrpSpPr/>
+        <p:nvPr/>
+      </p:nvGrpSpPr>
+      <p:grpSpPr>
+        <a:xfrm>
+          <a:off x="0" y="0"/>
+          <a:ext cx="0" cy="0"/>
+          <a:chOff x="0" y="0"/>
+          <a:chExt cx="0" cy="0"/>
+        </a:xfrm>
+      </p:grpSpPr>
       <p:sp>
         <p:nvSpPr>
           <p:cNvPr id="2" name="标题 1"/>
@@ -3704,7 +4913,7 @@
           <a:p>
             <a:r>
               <a:rPr kumimoji="1" lang="zh-CN" altLang="en-US" dirty="0" smtClean="0"/>
-              <a:t>共享充电宝</a:t>
+              <a:t>共享伴侣</a:t>
             </a:r>
             <a:endParaRPr kumimoji="1" lang="zh-CN" altLang="en-US" dirty="0"/>
           </a:p>
@@ -3712,14 +4921,14 @@
       </p:sp>
       <p:sp>
         <p:nvSpPr>
-          <p:cNvPr id="4" name="矩形 3"/>
+          <p:cNvPr id="3" name="矩形 2"/>
           <p:cNvSpPr/>
           <p:nvPr/>
         </p:nvSpPr>
         <p:spPr>
           <a:xfrm>
-            <a:off x="951914" y="1690688"/>
-            <a:ext cx="10401886" cy="369332"/>
+            <a:off x="838200" y="1575581"/>
+            <a:ext cx="10705514" cy="923330"/>
           </a:xfrm>
           <a:prstGeom prst="rect">
             <a:avLst/>
@@ -3732,8 +4941,229 @@
           <a:lstStyle/>
           <a:p>
             <a:r>
-              <a:rPr lang="zh-CN" altLang="en-US" smtClean="0"/>
-              <a:t>http://tech.sina.com.cn/i/2017-05-15/doc-ifyfeivp5721213.shtml</a:t>
+              <a:rPr lang="zh-CN" altLang="en-US" b="0" i="0" dirty="0" smtClean="0">
+                <a:solidFill>
+                  <a:srgbClr val="2B2B2B"/>
+                </a:solidFill>
+                <a:effectLst/>
+                <a:latin typeface="simsun" charset="-122"/>
+              </a:rPr>
+              <a:t>据最新的一份中国城市白领“性健康”状况报告显示</a:t>
+            </a:r>
+            <a:r>
+              <a:rPr lang="en-US" altLang="zh-CN" b="0" i="0" dirty="0" smtClean="0">
+                <a:solidFill>
+                  <a:srgbClr val="2B2B2B"/>
+                </a:solidFill>
+                <a:effectLst/>
+                <a:latin typeface="simsun" charset="-122"/>
+              </a:rPr>
+              <a:t>,</a:t>
+            </a:r>
+            <a:r>
+              <a:rPr lang="zh-CN" altLang="en-US" b="0" i="0" dirty="0" smtClean="0">
+                <a:solidFill>
+                  <a:srgbClr val="2B2B2B"/>
+                </a:solidFill>
+                <a:effectLst/>
+                <a:latin typeface="simsun" charset="-122"/>
+              </a:rPr>
+              <a:t>城市白领普遍“性致”不高</a:t>
+            </a:r>
+            <a:r>
+              <a:rPr lang="en-US" altLang="zh-CN" b="0" i="0" dirty="0" smtClean="0">
+                <a:solidFill>
+                  <a:srgbClr val="2B2B2B"/>
+                </a:solidFill>
+                <a:effectLst/>
+                <a:latin typeface="simsun" charset="-122"/>
+              </a:rPr>
+              <a:t>,</a:t>
+            </a:r>
+            <a:r>
+              <a:rPr lang="zh-CN" altLang="en-US" b="0" i="0" dirty="0" smtClean="0">
+                <a:solidFill>
+                  <a:srgbClr val="2B2B2B"/>
+                </a:solidFill>
+                <a:effectLst/>
+                <a:latin typeface="simsun" charset="-122"/>
+              </a:rPr>
+              <a:t>近六成白领感到工作压力</a:t>
+            </a:r>
+            <a:r>
+              <a:rPr lang="en-US" altLang="zh-CN" b="0" i="0" dirty="0" smtClean="0">
+                <a:solidFill>
+                  <a:srgbClr val="2B2B2B"/>
+                </a:solidFill>
+                <a:effectLst/>
+                <a:latin typeface="simsun" charset="-122"/>
+              </a:rPr>
+              <a:t>,</a:t>
+            </a:r>
+            <a:r>
+              <a:rPr lang="zh-CN" altLang="en-US" b="0" i="0" dirty="0" smtClean="0">
+                <a:solidFill>
+                  <a:srgbClr val="2B2B2B"/>
+                </a:solidFill>
+                <a:effectLst/>
+                <a:latin typeface="simsun" charset="-122"/>
+              </a:rPr>
+              <a:t>使其“性福”止步。在月平均性生活频率调查中</a:t>
+            </a:r>
+            <a:r>
+              <a:rPr lang="en-US" altLang="zh-CN" b="0" i="0" dirty="0" smtClean="0">
+                <a:solidFill>
+                  <a:srgbClr val="2B2B2B"/>
+                </a:solidFill>
+                <a:effectLst/>
+                <a:latin typeface="simsun" charset="-122"/>
+              </a:rPr>
+              <a:t>,</a:t>
+            </a:r>
+            <a:r>
+              <a:rPr lang="zh-CN" altLang="en-US" b="0" i="0" dirty="0" smtClean="0">
+                <a:solidFill>
+                  <a:srgbClr val="2B2B2B"/>
+                </a:solidFill>
+                <a:effectLst/>
+                <a:latin typeface="simsun" charset="-122"/>
+              </a:rPr>
+              <a:t>超过三成的人少于</a:t>
+            </a:r>
+            <a:r>
+              <a:rPr lang="en-US" altLang="zh-CN" b="0" i="0" dirty="0" smtClean="0">
+                <a:solidFill>
+                  <a:srgbClr val="2B2B2B"/>
+                </a:solidFill>
+                <a:effectLst/>
+                <a:latin typeface="simsun" charset="-122"/>
+              </a:rPr>
+              <a:t>1</a:t>
+            </a:r>
+            <a:r>
+              <a:rPr lang="zh-CN" altLang="en-US" b="0" i="0" dirty="0" smtClean="0">
+                <a:solidFill>
+                  <a:srgbClr val="2B2B2B"/>
+                </a:solidFill>
+                <a:effectLst/>
+                <a:latin typeface="simsun" charset="-122"/>
+              </a:rPr>
+              <a:t>次</a:t>
+            </a:r>
+            <a:r>
+              <a:rPr lang="en-US" altLang="zh-CN" b="0" i="0" dirty="0" smtClean="0">
+                <a:solidFill>
+                  <a:srgbClr val="2B2B2B"/>
+                </a:solidFill>
+                <a:effectLst/>
+                <a:latin typeface="simsun" charset="-122"/>
+              </a:rPr>
+              <a:t>,</a:t>
+            </a:r>
+            <a:r>
+              <a:rPr lang="zh-CN" altLang="en-US" b="0" i="0" dirty="0" smtClean="0">
+                <a:solidFill>
+                  <a:srgbClr val="2B2B2B"/>
+                </a:solidFill>
+                <a:effectLst/>
+                <a:latin typeface="simsun" charset="-122"/>
+              </a:rPr>
+              <a:t>超过两成的人</a:t>
+            </a:r>
+            <a:r>
+              <a:rPr lang="en-US" altLang="zh-CN" b="0" i="0" dirty="0" smtClean="0">
+                <a:solidFill>
+                  <a:srgbClr val="2B2B2B"/>
+                </a:solidFill>
+                <a:effectLst/>
+                <a:latin typeface="simsun" charset="-122"/>
+              </a:rPr>
+              <a:t>1—2</a:t>
+            </a:r>
+            <a:r>
+              <a:rPr lang="zh-CN" altLang="en-US" b="0" i="0" dirty="0" smtClean="0">
+                <a:solidFill>
+                  <a:srgbClr val="2B2B2B"/>
+                </a:solidFill>
+                <a:effectLst/>
+                <a:latin typeface="simsun" charset="-122"/>
+              </a:rPr>
+              <a:t>次、</a:t>
+            </a:r>
+            <a:r>
+              <a:rPr lang="en-US" altLang="zh-CN" b="0" i="0" dirty="0" smtClean="0">
+                <a:solidFill>
+                  <a:srgbClr val="2B2B2B"/>
+                </a:solidFill>
+                <a:effectLst/>
+                <a:latin typeface="simsun" charset="-122"/>
+              </a:rPr>
+              <a:t>3—5</a:t>
+            </a:r>
+            <a:r>
+              <a:rPr lang="zh-CN" altLang="en-US" b="0" i="0" dirty="0" smtClean="0">
+                <a:solidFill>
+                  <a:srgbClr val="2B2B2B"/>
+                </a:solidFill>
+                <a:effectLst/>
+                <a:latin typeface="simsun" charset="-122"/>
+              </a:rPr>
+              <a:t>次的占两成、</a:t>
+            </a:r>
+            <a:r>
+              <a:rPr lang="en-US" altLang="zh-CN" b="0" i="0" dirty="0" smtClean="0">
+                <a:solidFill>
+                  <a:srgbClr val="2B2B2B"/>
+                </a:solidFill>
+                <a:effectLst/>
+                <a:latin typeface="simsun" charset="-122"/>
+              </a:rPr>
+              <a:t>5</a:t>
+            </a:r>
+            <a:r>
+              <a:rPr lang="zh-CN" altLang="en-US" b="0" i="0" dirty="0" smtClean="0">
+                <a:solidFill>
+                  <a:srgbClr val="2B2B2B"/>
+                </a:solidFill>
+                <a:effectLst/>
+                <a:latin typeface="simsun" charset="-122"/>
+              </a:rPr>
+              <a:t>次以上不到两成半。</a:t>
+            </a:r>
+            <a:endParaRPr lang="zh-CN" altLang="en-US" dirty="0"/>
+          </a:p>
+        </p:txBody>
+      </p:sp>
+      <p:sp>
+        <p:nvSpPr>
+          <p:cNvPr id="4" name="矩形 3"/>
+          <p:cNvSpPr/>
+          <p:nvPr/>
+        </p:nvSpPr>
+        <p:spPr>
+          <a:xfrm>
+            <a:off x="838200" y="2716478"/>
+            <a:ext cx="10354994" cy="369332"/>
+          </a:xfrm>
+          <a:prstGeom prst="rect">
+            <a:avLst/>
+          </a:prstGeom>
+        </p:spPr>
+        <p:txBody>
+          <a:bodyPr wrap="square">
+            <a:spAutoFit/>
+          </a:bodyPr>
+          <a:lstStyle/>
+          <a:p>
+            <a:r>
+              <a:rPr lang="zh-CN" altLang="en-US" b="0" i="0" smtClean="0">
+                <a:solidFill>
+                  <a:srgbClr val="333333"/>
+                </a:solidFill>
+                <a:effectLst/>
+                <a:latin typeface="arial" charset="0"/>
+              </a:rPr>
+              <a:t>现代社会，伴侣的闲置已经达到了惊人的程度，谁能盘活这个资源，谁就是新的创业英雄！</a:t>
             </a:r>
             <a:endParaRPr lang="zh-CN" altLang="en-US"/>
           </a:p>
@@ -3742,7 +5172,7 @@
     </p:spTree>
     <p:extLst>
       <p:ext uri="{BB962C8B-B14F-4D97-AF65-F5344CB8AC3E}">
-        <p14:creationId xmlns:p14="http://schemas.microsoft.com/office/powerpoint/2010/main" val="1029226937"/>
+        <p14:creationId xmlns:p14="http://schemas.microsoft.com/office/powerpoint/2010/main" val="1296685251"/>
       </p:ext>
     </p:extLst>
   </p:cSld>
@@ -3786,16 +5216,57 @@
           <a:p>
             <a:r>
               <a:rPr kumimoji="1" lang="zh-CN" altLang="en-US" dirty="0" smtClean="0"/>
-              <a:t>什么是共享充电宝</a:t>
+              <a:t>共享充电宝</a:t>
             </a:r>
             <a:endParaRPr kumimoji="1" lang="zh-CN" altLang="en-US" dirty="0"/>
           </a:p>
         </p:txBody>
       </p:sp>
+      <p:pic>
+        <p:nvPicPr>
+          <p:cNvPr id="4098" name="Picture 2" descr="http://img0.pconline.com.cn/pconline/1707/16/9581492_f779d1904265959976068417582f708b_thumb.jpg"/>
+          <p:cNvPicPr>
+            <a:picLocks noChangeAspect="1" noChangeArrowheads="1"/>
+          </p:cNvPicPr>
+          <p:nvPr/>
+        </p:nvPicPr>
+        <p:blipFill>
+          <a:blip r:embed="rId2">
+            <a:extLst>
+              <a:ext uri="{28A0092B-C50C-407E-A947-70E740481C1C}">
+                <a14:useLocalDpi xmlns:a14="http://schemas.microsoft.com/office/drawing/2010/main" val="0"/>
+              </a:ext>
+            </a:extLst>
+          </a:blip>
+          <a:srcRect/>
+          <a:stretch>
+            <a:fillRect/>
+          </a:stretch>
+        </p:blipFill>
+        <p:spPr bwMode="auto">
+          <a:xfrm>
+            <a:off x="4171665" y="897387"/>
+            <a:ext cx="5715000" cy="4324351"/>
+          </a:xfrm>
+          <a:prstGeom prst="rect">
+            <a:avLst/>
+          </a:prstGeom>
+          <a:noFill/>
+          <a:extLst>
+            <a:ext uri="{909E8E84-426E-40DD-AFC4-6F175D3DCCD1}">
+              <a14:hiddenFill xmlns:a14="http://schemas.microsoft.com/office/drawing/2010/main">
+                <a:solidFill>
+                  <a:srgbClr val="FFFFFF"/>
+                </a:solidFill>
+              </a14:hiddenFill>
+            </a:ext>
+          </a:extLst>
+        </p:spPr>
+      </p:pic>
     </p:spTree>
     <p:extLst>
       <p:ext uri="{BB962C8B-B14F-4D97-AF65-F5344CB8AC3E}">
-        <p14:creationId xmlns:p14="http://schemas.microsoft.com/office/powerpoint/2010/main" val="1307731351"/>
+        <p14:creationId xmlns:p14="http://schemas.microsoft.com/office/powerpoint/2010/main" val="1029226937"/>
       </p:ext>
     </p:extLst>
   </p:cSld>
@@ -3839,7 +5310,7 @@
           <a:p>
             <a:r>
               <a:rPr kumimoji="1" lang="zh-CN" altLang="en-US" dirty="0" smtClean="0"/>
-              <a:t>分类</a:t>
+              <a:t>什么是共享充电宝</a:t>
             </a:r>
             <a:endParaRPr kumimoji="1" lang="zh-CN" altLang="en-US" dirty="0"/>
           </a:p>
@@ -3853,107 +5324,30 @@
         </p:nvSpPr>
         <p:spPr>
           <a:xfrm>
-            <a:off x="984738" y="1690688"/>
-            <a:ext cx="10803988" cy="2308324"/>
+            <a:off x="1032826" y="1690688"/>
+            <a:ext cx="4312399" cy="369332"/>
           </a:xfrm>
           <a:prstGeom prst="rect">
             <a:avLst/>
           </a:prstGeom>
         </p:spPr>
         <p:txBody>
-          <a:bodyPr wrap="square">
+          <a:bodyPr wrap="none">
             <a:spAutoFit/>
           </a:bodyPr>
           <a:lstStyle/>
           <a:p>
             <a:r>
-              <a:rPr lang="zh-CN" altLang="en-US" b="0" i="0" dirty="0" smtClean="0">
-                <a:solidFill>
-                  <a:srgbClr val="111111"/>
-                </a:solidFill>
-                <a:effectLst/>
-                <a:latin typeface="Open Sans" charset="0"/>
-              </a:rPr>
-              <a:t>机柜式租赁机器</a:t>
-            </a:r>
-            <a:endParaRPr lang="en-US" altLang="zh-CN" b="0" i="0" dirty="0" smtClean="0">
-              <a:solidFill>
-                <a:srgbClr val="111111"/>
-              </a:solidFill>
-              <a:effectLst/>
-              <a:latin typeface="Open Sans" charset="0"/>
-            </a:endParaRPr>
-          </a:p>
-          <a:p>
-            <a:endParaRPr lang="en-US" altLang="zh-CN" dirty="0">
-              <a:solidFill>
-                <a:srgbClr val="111111"/>
-              </a:solidFill>
-              <a:latin typeface="Open Sans" charset="0"/>
-            </a:endParaRPr>
-          </a:p>
-          <a:p>
-            <a:endParaRPr lang="en-US" altLang="zh-CN" b="0" i="0" dirty="0" smtClean="0">
-              <a:solidFill>
-                <a:srgbClr val="111111"/>
-              </a:solidFill>
-              <a:effectLst/>
-              <a:latin typeface="Open Sans" charset="0"/>
-            </a:endParaRPr>
-          </a:p>
-          <a:p>
-            <a:endParaRPr lang="en-US" altLang="zh-CN" dirty="0">
-              <a:solidFill>
-                <a:srgbClr val="111111"/>
-              </a:solidFill>
-              <a:latin typeface="Open Sans" charset="0"/>
-            </a:endParaRPr>
-          </a:p>
-          <a:p>
-            <a:endParaRPr lang="en-US" altLang="zh-CN" b="0" i="0" dirty="0" smtClean="0">
-              <a:solidFill>
-                <a:srgbClr val="111111"/>
-              </a:solidFill>
-              <a:effectLst/>
-              <a:latin typeface="Open Sans" charset="0"/>
-            </a:endParaRPr>
-          </a:p>
-          <a:p>
-            <a:r>
-              <a:rPr lang="zh-CN" altLang="en-US" b="0" i="0" dirty="0" smtClean="0">
-                <a:solidFill>
-                  <a:srgbClr val="111111"/>
-                </a:solidFill>
-                <a:effectLst/>
-                <a:latin typeface="Open Sans" charset="0"/>
-              </a:rPr>
-              <a:t>实体充电宝。</a:t>
-            </a:r>
-            <a:endParaRPr lang="en-US" altLang="zh-CN" b="0" i="0" dirty="0" smtClean="0">
-              <a:solidFill>
-                <a:srgbClr val="111111"/>
-              </a:solidFill>
-              <a:effectLst/>
-              <a:latin typeface="Open Sans" charset="0"/>
-            </a:endParaRPr>
-          </a:p>
-          <a:p>
-            <a:endParaRPr lang="en-US" altLang="zh-CN" dirty="0">
-              <a:solidFill>
-                <a:srgbClr val="111111"/>
-              </a:solidFill>
-              <a:latin typeface="Open Sans" charset="0"/>
-            </a:endParaRPr>
-          </a:p>
-          <a:p>
-            <a:endParaRPr lang="zh-CN" altLang="en-US" dirty="0"/>
+              <a:rPr lang="zh-CN" altLang="en-US" dirty="0"/>
+              <a:t>http://news.zol.com.cn/634/6343183.html</a:t>
+            </a:r>
           </a:p>
         </p:txBody>
       </p:sp>
     </p:spTree>
     <p:extLst>
       <p:ext uri="{BB962C8B-B14F-4D97-AF65-F5344CB8AC3E}">
-        <p14:creationId xmlns:p14="http://schemas.microsoft.com/office/powerpoint/2010/main" val="415585611"/>
+        <p14:creationId xmlns:p14="http://schemas.microsoft.com/office/powerpoint/2010/main" val="1307731351"/>
       </p:ext>
     </p:extLst>
   </p:cSld>
@@ -3996,216 +5390,17 @@
           <a:lstStyle/>
           <a:p>
             <a:r>
-              <a:rPr kumimoji="1" lang="zh-CN" altLang="en-US" dirty="0" smtClean="0"/>
-              <a:t>相关人员</a:t>
+              <a:rPr kumimoji="1" lang="zh-CN" altLang="en-US" dirty="0"/>
+              <a:t>分类</a:t>
             </a:r>
             <a:endParaRPr kumimoji="1" lang="zh-CN" altLang="en-US" dirty="0"/>
-          </a:p>
-        </p:txBody>
-      </p:sp>
-      <p:sp>
-        <p:nvSpPr>
-          <p:cNvPr id="3" name="矩形 2"/>
-          <p:cNvSpPr/>
-          <p:nvPr/>
-        </p:nvSpPr>
-        <p:spPr>
-          <a:xfrm>
-            <a:off x="1310501" y="1690688"/>
-            <a:ext cx="10399001" cy="1477328"/>
-          </a:xfrm>
-          <a:prstGeom prst="rect">
-            <a:avLst/>
-          </a:prstGeom>
-        </p:spPr>
-        <p:txBody>
-          <a:bodyPr wrap="none">
-            <a:spAutoFit/>
-          </a:bodyPr>
-          <a:lstStyle/>
-          <a:p>
-            <a:r>
-              <a:rPr lang="zh-CN" altLang="en-US" b="1" dirty="0" smtClean="0">
-                <a:solidFill>
-                  <a:srgbClr val="333333"/>
-                </a:solidFill>
-                <a:latin typeface="Microsoft Yahei" charset="-122"/>
-              </a:rPr>
-              <a:t>看好</a:t>
-            </a:r>
-            <a:endParaRPr lang="en-US" altLang="zh-CN" b="1" dirty="0" smtClean="0">
-              <a:solidFill>
-                <a:srgbClr val="333333"/>
-              </a:solidFill>
-              <a:latin typeface="Microsoft Yahei" charset="-122"/>
-            </a:endParaRPr>
-          </a:p>
-          <a:p>
-            <a:r>
-              <a:rPr lang="zh-CN" altLang="en-US" dirty="0"/>
-              <a:t>美国国际数据集团（</a:t>
-            </a:r>
-            <a:r>
-              <a:rPr lang="en-US" altLang="zh-CN" dirty="0"/>
-              <a:t>International Data Group</a:t>
-            </a:r>
-            <a:r>
-              <a:rPr lang="zh-CN" altLang="en-US" dirty="0"/>
-              <a:t>） </a:t>
-            </a:r>
-            <a:endParaRPr lang="en-US" altLang="zh-CN" dirty="0"/>
-          </a:p>
-          <a:p>
-            <a:r>
-              <a:rPr lang="zh-CN" altLang="en-US" dirty="0"/>
-              <a:t>是全世界最大的信息技术出版、研究、发展与风险投资公司。</a:t>
-            </a:r>
-            <a:endParaRPr lang="en-US" altLang="zh-CN" dirty="0"/>
-          </a:p>
-          <a:p>
-            <a:r>
-              <a:rPr lang="en-US" altLang="zh-CN" dirty="0"/>
-              <a:t>IDG</a:t>
-            </a:r>
-            <a:r>
-              <a:rPr lang="zh-CN" altLang="en-US" dirty="0"/>
-              <a:t>公司</a:t>
-            </a:r>
-            <a:r>
-              <a:rPr lang="en-US" altLang="zh-CN" dirty="0"/>
-              <a:t>2005</a:t>
-            </a:r>
-            <a:r>
-              <a:rPr lang="zh-CN" altLang="en-US" dirty="0"/>
-              <a:t>年全球营业总收入达到</a:t>
-            </a:r>
-            <a:r>
-              <a:rPr lang="en-US" altLang="zh-CN" dirty="0"/>
-              <a:t>26.8</a:t>
-            </a:r>
-            <a:r>
-              <a:rPr lang="zh-CN" altLang="en-US" dirty="0"/>
-              <a:t>亿美元。</a:t>
-            </a:r>
-            <a:r>
-              <a:rPr lang="en-US" altLang="zh-CN" dirty="0"/>
-              <a:t>IDG</a:t>
-            </a:r>
-            <a:r>
-              <a:rPr lang="zh-CN" altLang="en-US" dirty="0"/>
-              <a:t>集团公司创建于</a:t>
-            </a:r>
-            <a:r>
-              <a:rPr lang="en-US" altLang="zh-CN" dirty="0"/>
-              <a:t>1964</a:t>
-            </a:r>
-            <a:r>
-              <a:rPr lang="zh-CN" altLang="en-US" dirty="0"/>
-              <a:t>年，总部设在美国波士顿。</a:t>
-            </a:r>
-            <a:endParaRPr lang="en-US" altLang="zh-CN" dirty="0"/>
-          </a:p>
-          <a:p>
-            <a:r>
-              <a:rPr lang="zh-CN" altLang="en-US" b="1" i="0" dirty="0" smtClean="0">
-                <a:solidFill>
-                  <a:srgbClr val="333333"/>
-                </a:solidFill>
-                <a:effectLst/>
-                <a:latin typeface="Microsoft Yahei" charset="-122"/>
-              </a:rPr>
-              <a:t>陈欧，</a:t>
-            </a:r>
-            <a:r>
-              <a:rPr lang="zh-CN" altLang="en-US" dirty="0"/>
-              <a:t>腾讯</a:t>
-            </a:r>
-            <a:endParaRPr lang="zh-CN" altLang="en-US" b="1" i="0" dirty="0">
-              <a:solidFill>
-                <a:srgbClr val="333333"/>
-              </a:solidFill>
-              <a:effectLst/>
-              <a:latin typeface="Microsoft Yahei" charset="-122"/>
-            </a:endParaRPr>
-          </a:p>
-        </p:txBody>
-      </p:sp>
-      <p:sp>
-        <p:nvSpPr>
-          <p:cNvPr id="4" name="矩形 3"/>
-          <p:cNvSpPr/>
-          <p:nvPr/>
-        </p:nvSpPr>
-        <p:spPr>
-          <a:xfrm>
-            <a:off x="1310501" y="3654954"/>
-            <a:ext cx="5008102" cy="646331"/>
-          </a:xfrm>
-          <a:prstGeom prst="rect">
-            <a:avLst/>
-          </a:prstGeom>
-        </p:spPr>
-        <p:txBody>
-          <a:bodyPr wrap="none">
-            <a:spAutoFit/>
-          </a:bodyPr>
-          <a:lstStyle/>
-          <a:p>
-            <a:r>
-              <a:rPr lang="zh-CN" altLang="en-US" b="1" i="0" dirty="0" smtClean="0">
-                <a:solidFill>
-                  <a:srgbClr val="333333"/>
-                </a:solidFill>
-                <a:effectLst/>
-                <a:latin typeface="Microsoft Yahei" charset="-122"/>
-              </a:rPr>
-              <a:t>不看好</a:t>
-            </a:r>
-            <a:endParaRPr lang="en-US" altLang="zh-CN" b="1" i="0" dirty="0" smtClean="0">
-              <a:solidFill>
-                <a:srgbClr val="333333"/>
-              </a:solidFill>
-              <a:effectLst/>
-              <a:latin typeface="Microsoft Yahei" charset="-122"/>
-            </a:endParaRPr>
-          </a:p>
-          <a:p>
-            <a:r>
-              <a:rPr lang="zh-CN" altLang="en-US" b="1" i="0" dirty="0" smtClean="0">
-                <a:solidFill>
-                  <a:srgbClr val="333333"/>
-                </a:solidFill>
-                <a:effectLst/>
-                <a:latin typeface="Microsoft Yahei" charset="-122"/>
-              </a:rPr>
-              <a:t>王思聪   </a:t>
-            </a:r>
-            <a:r>
-              <a:rPr lang="zh-CN" altLang="en-US" dirty="0" smtClean="0"/>
-              <a:t>共享</a:t>
-            </a:r>
-            <a:r>
-              <a:rPr lang="zh-CN" altLang="en-US" dirty="0"/>
-              <a:t>充电宝要是能成我吃翔，立帖为</a:t>
-            </a:r>
-            <a:r>
-              <a:rPr lang="zh-CN" altLang="en-US" dirty="0" smtClean="0"/>
-              <a:t>证</a:t>
-            </a:r>
-            <a:endParaRPr lang="en-US" altLang="zh-CN" b="1" i="0" dirty="0" smtClean="0">
-              <a:solidFill>
-                <a:srgbClr val="333333"/>
-              </a:solidFill>
-              <a:effectLst/>
-              <a:latin typeface="Microsoft Yahei" charset="-122"/>
-            </a:endParaRPr>
           </a:p>
         </p:txBody>
       </p:sp>
     </p:spTree>
     <p:extLst>
       <p:ext uri="{BB962C8B-B14F-4D97-AF65-F5344CB8AC3E}">
-        <p14:creationId xmlns:p14="http://schemas.microsoft.com/office/powerpoint/2010/main" val="1636704547"/>
+        <p14:creationId xmlns:p14="http://schemas.microsoft.com/office/powerpoint/2010/main" val="923571384"/>
       </p:ext>
     </p:extLst>
   </p:cSld>
@@ -4234,55 +5429,161 @@
       </p:grpSpPr>
       <p:sp>
         <p:nvSpPr>
-          <p:cNvPr id="2" name="标题 1"/>
-          <p:cNvSpPr>
-            <a:spLocks noGrp="1"/>
-          </p:cNvSpPr>
-          <p:nvPr>
-            <p:ph type="title"/>
-          </p:nvPr>
-        </p:nvSpPr>
-        <p:spPr/>
-        <p:txBody>
-          <a:bodyPr/>
-          <a:lstStyle/>
-          <a:p>
-            <a:r>
-              <a:rPr kumimoji="1" lang="zh-CN" altLang="en-US" dirty="0" smtClean="0"/>
-              <a:t>现状</a:t>
-            </a:r>
-            <a:endParaRPr kumimoji="1" lang="zh-CN" altLang="en-US" dirty="0"/>
-          </a:p>
-        </p:txBody>
-      </p:sp>
-      <p:pic>
-        <p:nvPicPr>
-          <p:cNvPr id="4" name="图片 3"/>
-          <p:cNvPicPr>
-            <a:picLocks noChangeAspect="1"/>
-          </p:cNvPicPr>
+          <p:cNvPr id="3" name="矩形 2"/>
+          <p:cNvSpPr/>
           <p:nvPr/>
-        </p:nvPicPr>
-        <p:blipFill>
-          <a:blip r:embed="rId2"/>
-          <a:stretch>
-            <a:fillRect/>
-          </a:stretch>
-        </p:blipFill>
+        </p:nvSpPr>
         <p:spPr>
           <a:xfrm>
-            <a:off x="3589866" y="77266"/>
-            <a:ext cx="5070039" cy="6780734"/>
+            <a:off x="558307" y="458683"/>
+            <a:ext cx="10803988" cy="1754326"/>
           </a:xfrm>
           <a:prstGeom prst="rect">
             <a:avLst/>
           </a:prstGeom>
         </p:spPr>
+        <p:txBody>
+          <a:bodyPr wrap="square">
+            <a:spAutoFit/>
+          </a:bodyPr>
+          <a:lstStyle/>
+          <a:p>
+            <a:r>
+              <a:rPr lang="zh-CN" altLang="en-US" b="1" dirty="0"/>
+              <a:t>移动模式下的移动共享</a:t>
+            </a:r>
+            <a:endParaRPr lang="zh-CN" altLang="en-US" dirty="0"/>
+          </a:p>
+          <a:p>
+            <a:r>
+              <a:rPr lang="zh-CN" altLang="en-US" dirty="0" smtClean="0"/>
+              <a:t>代表</a:t>
+            </a:r>
+            <a:r>
+              <a:rPr lang="zh-CN" altLang="en-US" dirty="0"/>
+              <a:t>是“来电科技”，主攻大场景；人和充电设备都是可以移动的，比如从</a:t>
+            </a:r>
+            <a:r>
+              <a:rPr lang="en-US" altLang="zh-CN" dirty="0"/>
+              <a:t>A</a:t>
+            </a:r>
+            <a:r>
+              <a:rPr lang="zh-CN" altLang="en-US" dirty="0"/>
+              <a:t>地借充电宝到</a:t>
+            </a:r>
+            <a:r>
+              <a:rPr lang="en-US" altLang="zh-CN" dirty="0"/>
+              <a:t>B</a:t>
+            </a:r>
+            <a:r>
+              <a:rPr lang="zh-CN" altLang="en-US" dirty="0"/>
+              <a:t>地还，主攻大场景大设备，包括商场、高铁、火车站、机场、景点、医院等人流量大的地方，一台单机设备可放几十个充电宝</a:t>
+            </a:r>
+            <a:r>
+              <a:rPr lang="zh-CN" altLang="en-US" dirty="0" smtClean="0"/>
+              <a:t>。</a:t>
+            </a:r>
+            <a:endParaRPr lang="en-US" altLang="zh-CN" dirty="0" smtClean="0"/>
+          </a:p>
+          <a:p>
+            <a:endParaRPr lang="en-US" altLang="zh-CN" dirty="0">
+              <a:solidFill>
+                <a:srgbClr val="111111"/>
+              </a:solidFill>
+              <a:latin typeface="Open Sans" charset="0"/>
+            </a:endParaRPr>
+          </a:p>
+          <a:p>
+            <a:endParaRPr lang="zh-CN" altLang="en-US" dirty="0"/>
+          </a:p>
+        </p:txBody>
+      </p:sp>
+      <p:pic>
+        <p:nvPicPr>
+          <p:cNvPr id="7172" name="Picture 4" descr="http://pic2.pedaily.cn/17/201704/2017411107318566.jpg"/>
+          <p:cNvPicPr>
+            <a:picLocks noChangeAspect="1" noChangeArrowheads="1"/>
+          </p:cNvPicPr>
+          <p:nvPr/>
+        </p:nvPicPr>
+        <p:blipFill>
+          <a:blip r:embed="rId2">
+            <a:extLst>
+              <a:ext uri="{28A0092B-C50C-407E-A947-70E740481C1C}">
+                <a14:useLocalDpi xmlns:a14="http://schemas.microsoft.com/office/drawing/2010/main" val="0"/>
+              </a:ext>
+            </a:extLst>
+          </a:blip>
+          <a:srcRect/>
+          <a:stretch>
+            <a:fillRect/>
+          </a:stretch>
+        </p:blipFill>
+        <p:spPr bwMode="auto">
+          <a:xfrm>
+            <a:off x="558307" y="1708268"/>
+            <a:ext cx="4938390" cy="4938391"/>
+          </a:xfrm>
+          <a:prstGeom prst="rect">
+            <a:avLst/>
+          </a:prstGeom>
+          <a:noFill/>
+          <a:extLst>
+            <a:ext uri="{909E8E84-426E-40DD-AFC4-6F175D3DCCD1}">
+              <a14:hiddenFill xmlns:a14="http://schemas.microsoft.com/office/drawing/2010/main">
+                <a:solidFill>
+                  <a:srgbClr val="FFFFFF"/>
+                </a:solidFill>
+              </a14:hiddenFill>
+            </a:ext>
+          </a:extLst>
+        </p:spPr>
+      </p:pic>
+      <p:pic>
+        <p:nvPicPr>
+          <p:cNvPr id="7174" name="Picture 6" descr="http://p0.ifengimg.com/pmop/2017/0718/6BB76952BDB6FB481CE2EF6555B68A0D5EEFF850_size17_w500_h375.jpeg"/>
+          <p:cNvPicPr>
+            <a:picLocks noChangeAspect="1" noChangeArrowheads="1"/>
+          </p:cNvPicPr>
+          <p:nvPr/>
+        </p:nvPicPr>
+        <p:blipFill>
+          <a:blip r:embed="rId3">
+            <a:extLst>
+              <a:ext uri="{28A0092B-C50C-407E-A947-70E740481C1C}">
+                <a14:useLocalDpi xmlns:a14="http://schemas.microsoft.com/office/drawing/2010/main" val="0"/>
+              </a:ext>
+            </a:extLst>
+          </a:blip>
+          <a:srcRect/>
+          <a:stretch>
+            <a:fillRect/>
+          </a:stretch>
+        </p:blipFill>
+        <p:spPr bwMode="auto">
+          <a:xfrm>
+            <a:off x="6392602" y="2391525"/>
+            <a:ext cx="4762500" cy="3571875"/>
+          </a:xfrm>
+          <a:prstGeom prst="rect">
+            <a:avLst/>
+          </a:prstGeom>
+          <a:noFill/>
+          <a:extLst>
+            <a:ext uri="{909E8E84-426E-40DD-AFC4-6F175D3DCCD1}">
+              <a14:hiddenFill xmlns:a14="http://schemas.microsoft.com/office/drawing/2010/main">
+                <a:solidFill>
+                  <a:srgbClr val="FFFFFF"/>
+                </a:solidFill>
+              </a14:hiddenFill>
+            </a:ext>
+          </a:extLst>
+        </p:spPr>
       </p:pic>
     </p:spTree>
     <p:extLst>
       <p:ext uri="{BB962C8B-B14F-4D97-AF65-F5344CB8AC3E}">
-        <p14:creationId xmlns:p14="http://schemas.microsoft.com/office/powerpoint/2010/main" val="1581474192"/>
+        <p14:creationId xmlns:p14="http://schemas.microsoft.com/office/powerpoint/2010/main" val="415585611"/>
       </p:ext>
     </p:extLst>
   </p:cSld>
@@ -4311,37 +5612,14 @@
       </p:grpSpPr>
       <p:sp>
         <p:nvSpPr>
-          <p:cNvPr id="2" name="标题 1"/>
-          <p:cNvSpPr>
-            <a:spLocks noGrp="1"/>
-          </p:cNvSpPr>
-          <p:nvPr>
-            <p:ph type="title"/>
-          </p:nvPr>
-        </p:nvSpPr>
-        <p:spPr/>
-        <p:txBody>
-          <a:bodyPr/>
-          <a:lstStyle/>
-          <a:p>
-            <a:r>
-              <a:rPr kumimoji="1" lang="zh-CN" altLang="en-US" dirty="0" smtClean="0"/>
-              <a:t>问题</a:t>
-            </a:r>
-            <a:endParaRPr kumimoji="1" lang="zh-CN" altLang="en-US" dirty="0"/>
-          </a:p>
-        </p:txBody>
-      </p:sp>
-      <p:sp>
-        <p:nvSpPr>
           <p:cNvPr id="3" name="矩形 2"/>
           <p:cNvSpPr/>
           <p:nvPr/>
         </p:nvSpPr>
         <p:spPr>
           <a:xfrm>
-            <a:off x="1181685" y="1491175"/>
-            <a:ext cx="10578905" cy="369332"/>
+            <a:off x="479771" y="366855"/>
+            <a:ext cx="10803988" cy="2031325"/>
           </a:xfrm>
           <a:prstGeom prst="rect">
             <a:avLst/>
@@ -4353,64 +5631,98 @@
           </a:bodyPr>
           <a:lstStyle/>
           <a:p>
-            <a:r>
-              <a:rPr lang="zh-CN" altLang="en-US" b="0" i="0" dirty="0" smtClean="0">
-                <a:solidFill>
-                  <a:srgbClr val="000000"/>
-                </a:solidFill>
-                <a:effectLst/>
-                <a:latin typeface="Microsoft Yahei" charset="-122"/>
-              </a:rPr>
-              <a:t>一家免费手机充电站企业，因在充电时强装软件、盗取用户信息而被</a:t>
-            </a:r>
-            <a:r>
-              <a:rPr lang="en-US" altLang="zh-CN" b="0" i="0" dirty="0" smtClean="0">
-                <a:solidFill>
-                  <a:srgbClr val="000000"/>
-                </a:solidFill>
-                <a:effectLst/>
-                <a:latin typeface="Microsoft Yahei" charset="-122"/>
-              </a:rPr>
-              <a:t>2017</a:t>
-            </a:r>
-            <a:r>
-              <a:rPr lang="zh-CN" altLang="en-US" b="0" i="0" dirty="0" smtClean="0">
-                <a:solidFill>
-                  <a:srgbClr val="000000"/>
-                </a:solidFill>
-                <a:effectLst/>
-                <a:latin typeface="Microsoft Yahei" charset="-122"/>
-              </a:rPr>
-              <a:t>年的</a:t>
-            </a:r>
-            <a:r>
-              <a:rPr lang="en-US" altLang="zh-CN" b="0" i="0" dirty="0" smtClean="0">
-                <a:solidFill>
-                  <a:srgbClr val="000000"/>
-                </a:solidFill>
-                <a:effectLst/>
-                <a:latin typeface="Microsoft Yahei" charset="-122"/>
-              </a:rPr>
-              <a:t>315</a:t>
-            </a:r>
-            <a:r>
-              <a:rPr lang="zh-CN" altLang="en-US" b="0" i="0" dirty="0" smtClean="0">
-                <a:solidFill>
-                  <a:srgbClr val="000000"/>
-                </a:solidFill>
-                <a:effectLst/>
-                <a:latin typeface="Microsoft Yahei" charset="-122"/>
-              </a:rPr>
-              <a:t>晚会曝光示众</a:t>
-            </a:r>
             <a:endParaRPr lang="zh-CN" altLang="en-US" dirty="0"/>
           </a:p>
-        </p:txBody>
-      </p:sp>
+          <a:p>
+            <a:r>
+              <a:rPr lang="zh-CN" altLang="en-US" b="1" dirty="0"/>
+              <a:t>固定场景下的移动共享</a:t>
+            </a:r>
+            <a:endParaRPr lang="zh-CN" altLang="en-US" dirty="0"/>
+          </a:p>
+          <a:p>
+            <a:r>
+              <a:rPr lang="zh-CN" altLang="en-US" dirty="0" smtClean="0"/>
+              <a:t>代表是“街电科技”，主攻</a:t>
+            </a:r>
+            <a:r>
+              <a:rPr lang="zh-CN" altLang="en-US" dirty="0"/>
+              <a:t>小场景；人在</a:t>
+            </a:r>
+            <a:r>
+              <a:rPr lang="en-US" altLang="zh-CN" dirty="0"/>
+              <a:t>A</a:t>
+            </a:r>
+            <a:r>
+              <a:rPr lang="zh-CN" altLang="en-US" dirty="0"/>
+              <a:t>点附近活动时，有借充电宝的需求，可以从一个没那么大的机柜里付押金后借出。主攻小型柜台，场景包括餐厅、咖啡馆、酒吧等，一般单柜有</a:t>
+            </a:r>
+            <a:r>
+              <a:rPr lang="en-US" altLang="zh-CN" dirty="0"/>
+              <a:t>6</a:t>
+            </a:r>
+            <a:r>
+              <a:rPr lang="zh-CN" altLang="en-US" dirty="0"/>
+              <a:t>个或</a:t>
+            </a:r>
+            <a:r>
+              <a:rPr lang="en-US" altLang="zh-CN" dirty="0"/>
+              <a:t>12</a:t>
+            </a:r>
+            <a:r>
+              <a:rPr lang="zh-CN" altLang="en-US" dirty="0"/>
+              <a:t>个充电宝</a:t>
+            </a:r>
+            <a:r>
+              <a:rPr lang="zh-CN" altLang="en-US" dirty="0" smtClean="0"/>
+              <a:t>。</a:t>
+            </a:r>
+            <a:endParaRPr lang="en-US" altLang="zh-CN" dirty="0" smtClean="0"/>
+          </a:p>
+          <a:p>
+            <a:endParaRPr lang="zh-CN" altLang="en-US" dirty="0"/>
+          </a:p>
+          <a:p>
+            <a:endParaRPr lang="en-US" altLang="zh-CN" dirty="0">
+              <a:solidFill>
+                <a:srgbClr val="111111"/>
+              </a:solidFill>
+              <a:latin typeface="Open Sans" charset="0"/>
+            </a:endParaRPr>
+          </a:p>
+          <a:p>
+            <a:endParaRPr lang="zh-CN" altLang="en-US" dirty="0"/>
+          </a:p>
+        </p:txBody>
+      </p:sp>
+      <p:pic>
+        <p:nvPicPr>
+          <p:cNvPr id="5" name="图片 4"/>
+          <p:cNvPicPr>
+            <a:picLocks noChangeAspect="1"/>
+          </p:cNvPicPr>
+          <p:nvPr/>
+        </p:nvPicPr>
+        <p:blipFill>
+          <a:blip r:embed="rId2"/>
+          <a:stretch>
+            <a:fillRect/>
+          </a:stretch>
+        </p:blipFill>
+        <p:spPr>
+          <a:xfrm>
+            <a:off x="2969524" y="2121846"/>
+            <a:ext cx="4533333" cy="4142857"/>
+          </a:xfrm>
+          <a:prstGeom prst="rect">
+            <a:avLst/>
+          </a:prstGeom>
+        </p:spPr>
+      </p:pic>
     </p:spTree>
     <p:extLst>
       <p:ext uri="{BB962C8B-B14F-4D97-AF65-F5344CB8AC3E}">
-        <p14:creationId xmlns:p14="http://schemas.microsoft.com/office/powerpoint/2010/main" val="1207211764"/>
+        <p14:creationId xmlns:p14="http://schemas.microsoft.com/office/powerpoint/2010/main" val="1261169301"/>
       </p:ext>
     </p:extLst>
   </p:cSld>
@@ -4439,31 +5751,111 @@
       </p:grpSpPr>
       <p:sp>
         <p:nvSpPr>
-          <p:cNvPr id="2" name="标题 1"/>
-          <p:cNvSpPr>
-            <a:spLocks noGrp="1"/>
-          </p:cNvSpPr>
-          <p:nvPr>
-            <p:ph type="title"/>
-          </p:nvPr>
-        </p:nvSpPr>
-        <p:spPr/>
-        <p:txBody>
-          <a:bodyPr/>
-          <a:lstStyle/>
-          <a:p>
-            <a:r>
-              <a:rPr kumimoji="1" lang="zh-CN" altLang="en-US" dirty="0" smtClean="0"/>
-              <a:t>共享雨伞</a:t>
-            </a:r>
-            <a:endParaRPr kumimoji="1" lang="zh-CN" altLang="en-US" dirty="0"/>
-          </a:p>
-        </p:txBody>
-      </p:sp>
+          <p:cNvPr id="3" name="矩形 2"/>
+          <p:cNvSpPr/>
+          <p:nvPr/>
+        </p:nvSpPr>
+        <p:spPr>
+          <a:xfrm>
+            <a:off x="739078" y="626163"/>
+            <a:ext cx="10561268" cy="1754326"/>
+          </a:xfrm>
+          <a:prstGeom prst="rect">
+            <a:avLst/>
+          </a:prstGeom>
+        </p:spPr>
+        <p:txBody>
+          <a:bodyPr wrap="square">
+            <a:spAutoFit/>
+          </a:bodyPr>
+          <a:lstStyle/>
+          <a:p>
+            <a:r>
+              <a:rPr lang="zh-CN" altLang="en-US" b="1" dirty="0" smtClean="0"/>
+              <a:t>固定</a:t>
+            </a:r>
+            <a:r>
+              <a:rPr lang="zh-CN" altLang="en-US" b="1" dirty="0"/>
+              <a:t>场景下的固定共享</a:t>
+            </a:r>
+            <a:endParaRPr lang="zh-CN" altLang="en-US" dirty="0"/>
+          </a:p>
+          <a:p>
+            <a:r>
+              <a:rPr lang="zh-CN" altLang="en-US" dirty="0" smtClean="0"/>
+              <a:t>主</a:t>
+            </a:r>
+            <a:r>
+              <a:rPr lang="zh-CN" altLang="en-US" dirty="0"/>
+              <a:t>打的是每一张桌面；线机一体，桌面上有共享充电宝时，不需要交付押金，扫码付费后就可以直接</a:t>
+            </a:r>
+            <a:r>
+              <a:rPr lang="zh-CN" altLang="en-US" dirty="0" smtClean="0"/>
+              <a:t>充电。</a:t>
+            </a:r>
+            <a:endParaRPr lang="en-US" altLang="zh-CN" dirty="0" smtClean="0"/>
+          </a:p>
+          <a:p>
+            <a:endParaRPr lang="zh-CN" altLang="en-US" dirty="0"/>
+          </a:p>
+          <a:p>
+            <a:endParaRPr lang="en-US" altLang="zh-CN" dirty="0">
+              <a:solidFill>
+                <a:srgbClr val="111111"/>
+              </a:solidFill>
+              <a:latin typeface="Open Sans" charset="0"/>
+            </a:endParaRPr>
+          </a:p>
+          <a:p>
+            <a:endParaRPr lang="zh-CN" altLang="en-US" dirty="0"/>
+          </a:p>
+        </p:txBody>
+      </p:sp>
+      <p:pic>
+        <p:nvPicPr>
+          <p:cNvPr id="10242" name="Picture 2" descr="http://cn.technode.com/files/2017/07/6.jpg"/>
+          <p:cNvPicPr>
+            <a:picLocks noChangeAspect="1" noChangeArrowheads="1"/>
+          </p:cNvPicPr>
+          <p:nvPr/>
+        </p:nvPicPr>
+        <p:blipFill>
+          <a:blip r:embed="rId2">
+            <a:extLst>
+              <a:ext uri="{28A0092B-C50C-407E-A947-70E740481C1C}">
+                <a14:useLocalDpi xmlns:a14="http://schemas.microsoft.com/office/drawing/2010/main" val="0"/>
+              </a:ext>
+            </a:extLst>
+          </a:blip>
+          <a:srcRect/>
+          <a:stretch>
+            <a:fillRect/>
+          </a:stretch>
+        </p:blipFill>
+        <p:spPr bwMode="auto">
+          <a:xfrm>
+            <a:off x="2129050" y="1907212"/>
+            <a:ext cx="6061705" cy="4080601"/>
+          </a:xfrm>
+          <a:prstGeom prst="rect">
+            <a:avLst/>
+          </a:prstGeom>
+          <a:noFill/>
+          <a:extLst>
+            <a:ext uri="{909E8E84-426E-40DD-AFC4-6F175D3DCCD1}">
+              <a14:hiddenFill xmlns:a14="http://schemas.microsoft.com/office/drawing/2010/main">
+                <a:solidFill>
+                  <a:srgbClr val="FFFFFF"/>
+                </a:solidFill>
+              </a14:hiddenFill>
+            </a:ext>
+          </a:extLst>
+        </p:spPr>
+      </p:pic>
     </p:spTree>
     <p:extLst>
       <p:ext uri="{BB962C8B-B14F-4D97-AF65-F5344CB8AC3E}">
-        <p14:creationId xmlns:p14="http://schemas.microsoft.com/office/powerpoint/2010/main" val="127831047"/>
+        <p14:creationId xmlns:p14="http://schemas.microsoft.com/office/powerpoint/2010/main" val="3006853514"/>
       </p:ext>
     </p:extLst>
   </p:cSld>
@@ -4507,16 +5899,244 @@
           <a:p>
             <a:r>
               <a:rPr kumimoji="1" lang="zh-CN" altLang="en-US" dirty="0" smtClean="0"/>
-              <a:t>共享篮球</a:t>
+              <a:t>相关人员</a:t>
             </a:r>
             <a:endParaRPr kumimoji="1" lang="zh-CN" altLang="en-US" dirty="0"/>
+          </a:p>
+        </p:txBody>
+      </p:sp>
+      <p:sp>
+        <p:nvSpPr>
+          <p:cNvPr id="3" name="矩形 2"/>
+          <p:cNvSpPr/>
+          <p:nvPr/>
+        </p:nvSpPr>
+        <p:spPr>
+          <a:xfrm>
+            <a:off x="1310501" y="1690688"/>
+            <a:ext cx="10399001" cy="1754326"/>
+          </a:xfrm>
+          <a:prstGeom prst="rect">
+            <a:avLst/>
+          </a:prstGeom>
+        </p:spPr>
+        <p:txBody>
+          <a:bodyPr wrap="none">
+            <a:spAutoFit/>
+          </a:bodyPr>
+          <a:lstStyle/>
+          <a:p>
+            <a:r>
+              <a:rPr lang="zh-CN" altLang="en-US" b="1" dirty="0" smtClean="0">
+                <a:solidFill>
+                  <a:srgbClr val="333333"/>
+                </a:solidFill>
+                <a:latin typeface="Microsoft Yahei" charset="-122"/>
+              </a:rPr>
+              <a:t>看好</a:t>
+            </a:r>
+            <a:endParaRPr lang="en-US" altLang="zh-CN" b="1" dirty="0" smtClean="0">
+              <a:solidFill>
+                <a:srgbClr val="333333"/>
+              </a:solidFill>
+              <a:latin typeface="Microsoft Yahei" charset="-122"/>
+            </a:endParaRPr>
+          </a:p>
+          <a:p>
+            <a:r>
+              <a:rPr lang="zh-CN" altLang="en-US" dirty="0"/>
+              <a:t>美国国际数据集团（</a:t>
+            </a:r>
+            <a:r>
+              <a:rPr lang="en-US" altLang="zh-CN" dirty="0"/>
+              <a:t>International Data Group</a:t>
+            </a:r>
+            <a:r>
+              <a:rPr lang="zh-CN" altLang="en-US" dirty="0"/>
+              <a:t>） </a:t>
+            </a:r>
+            <a:endParaRPr lang="en-US" altLang="zh-CN" dirty="0"/>
+          </a:p>
+          <a:p>
+            <a:r>
+              <a:rPr lang="zh-CN" altLang="en-US" dirty="0"/>
+              <a:t>是全世界最大的信息技术出版、研究、发展与风险投资公司。</a:t>
+            </a:r>
+            <a:endParaRPr lang="en-US" altLang="zh-CN" dirty="0"/>
+          </a:p>
+          <a:p>
+            <a:r>
+              <a:rPr lang="en-US" altLang="zh-CN" dirty="0"/>
+              <a:t>IDG</a:t>
+            </a:r>
+            <a:r>
+              <a:rPr lang="zh-CN" altLang="en-US" dirty="0"/>
+              <a:t>公司</a:t>
+            </a:r>
+            <a:r>
+              <a:rPr lang="en-US" altLang="zh-CN" dirty="0"/>
+              <a:t>2005</a:t>
+            </a:r>
+            <a:r>
+              <a:rPr lang="zh-CN" altLang="en-US" dirty="0"/>
+              <a:t>年全球营业总收入达到</a:t>
+            </a:r>
+            <a:r>
+              <a:rPr lang="en-US" altLang="zh-CN" dirty="0"/>
+              <a:t>26.8</a:t>
+            </a:r>
+            <a:r>
+              <a:rPr lang="zh-CN" altLang="en-US" dirty="0"/>
+              <a:t>亿美元。</a:t>
+            </a:r>
+            <a:r>
+              <a:rPr lang="en-US" altLang="zh-CN" dirty="0"/>
+              <a:t>IDG</a:t>
+            </a:r>
+            <a:r>
+              <a:rPr lang="zh-CN" altLang="en-US" dirty="0"/>
+              <a:t>集团公司创建于</a:t>
+            </a:r>
+            <a:r>
+              <a:rPr lang="en-US" altLang="zh-CN" dirty="0"/>
+              <a:t>1964</a:t>
+            </a:r>
+            <a:r>
+              <a:rPr lang="zh-CN" altLang="en-US" dirty="0"/>
+              <a:t>年，总部设在美国波士顿。</a:t>
+            </a:r>
+            <a:endParaRPr lang="en-US" altLang="zh-CN" dirty="0"/>
+          </a:p>
+          <a:p>
+            <a:r>
+              <a:rPr lang="zh-CN" altLang="en-US" b="1" i="0" dirty="0" smtClean="0">
+                <a:solidFill>
+                  <a:srgbClr val="333333"/>
+                </a:solidFill>
+                <a:effectLst/>
+                <a:latin typeface="Microsoft Yahei" charset="-122"/>
+              </a:rPr>
+              <a:t>陈欧</a:t>
+            </a:r>
+            <a:r>
+              <a:rPr lang="zh-CN" altLang="en-US" b="1" i="0" dirty="0" smtClean="0">
+                <a:solidFill>
+                  <a:srgbClr val="333333"/>
+                </a:solidFill>
+                <a:effectLst/>
+                <a:latin typeface="Microsoft Yahei" charset="-122"/>
+              </a:rPr>
+              <a:t>，</a:t>
+            </a:r>
+            <a:r>
+              <a:rPr lang="en-US" altLang="zh-CN" dirty="0"/>
+              <a:t>3</a:t>
+            </a:r>
+            <a:r>
+              <a:rPr lang="zh-CN" altLang="en-US" dirty="0"/>
+              <a:t>亿元投资共享充电宝</a:t>
+            </a:r>
+            <a:r>
+              <a:rPr lang="zh-CN" altLang="en-US" dirty="0" smtClean="0"/>
+              <a:t>企业</a:t>
+            </a:r>
+            <a:endParaRPr lang="en-US" altLang="zh-CN" dirty="0" smtClean="0"/>
+          </a:p>
+          <a:p>
+            <a:r>
+              <a:rPr lang="zh-CN" altLang="en-US" dirty="0" smtClean="0"/>
+              <a:t>腾</a:t>
+            </a:r>
+            <a:r>
+              <a:rPr lang="zh-CN" altLang="en-US" dirty="0"/>
+              <a:t>讯</a:t>
+            </a:r>
+            <a:endParaRPr lang="zh-CN" altLang="en-US" b="1" i="0" dirty="0">
+              <a:solidFill>
+                <a:srgbClr val="333333"/>
+              </a:solidFill>
+              <a:effectLst/>
+              <a:latin typeface="Microsoft Yahei" charset="-122"/>
+            </a:endParaRPr>
+          </a:p>
+        </p:txBody>
+      </p:sp>
+      <p:sp>
+        <p:nvSpPr>
+          <p:cNvPr id="4" name="矩形 3"/>
+          <p:cNvSpPr/>
+          <p:nvPr/>
+        </p:nvSpPr>
+        <p:spPr>
+          <a:xfrm>
+            <a:off x="1310501" y="3654954"/>
+            <a:ext cx="5008102" cy="646331"/>
+          </a:xfrm>
+          <a:prstGeom prst="rect">
+            <a:avLst/>
+          </a:prstGeom>
+        </p:spPr>
+        <p:txBody>
+          <a:bodyPr wrap="none">
+            <a:spAutoFit/>
+          </a:bodyPr>
+          <a:lstStyle/>
+          <a:p>
+            <a:r>
+              <a:rPr lang="zh-CN" altLang="en-US" b="1" i="0" dirty="0" smtClean="0">
+                <a:solidFill>
+                  <a:srgbClr val="333333"/>
+                </a:solidFill>
+                <a:effectLst/>
+                <a:latin typeface="Microsoft Yahei" charset="-122"/>
+              </a:rPr>
+              <a:t>不看好</a:t>
+            </a:r>
+            <a:endParaRPr lang="en-US" altLang="zh-CN" b="1" i="0" dirty="0" smtClean="0">
+              <a:solidFill>
+                <a:srgbClr val="333333"/>
+              </a:solidFill>
+              <a:effectLst/>
+              <a:latin typeface="Microsoft Yahei" charset="-122"/>
+            </a:endParaRPr>
+          </a:p>
+          <a:p>
+            <a:r>
+              <a:rPr lang="zh-CN" altLang="en-US" b="1" i="0" dirty="0" smtClean="0">
+                <a:solidFill>
+                  <a:srgbClr val="333333"/>
+                </a:solidFill>
+                <a:effectLst/>
+                <a:latin typeface="Microsoft Yahei" charset="-122"/>
+              </a:rPr>
+              <a:t>王思聪   </a:t>
+            </a:r>
+            <a:r>
+              <a:rPr lang="zh-CN" altLang="en-US" dirty="0" smtClean="0"/>
+              <a:t>共享</a:t>
+            </a:r>
+            <a:r>
+              <a:rPr lang="zh-CN" altLang="en-US" dirty="0"/>
+              <a:t>充电宝要是能成我吃翔，立帖为</a:t>
+            </a:r>
+            <a:r>
+              <a:rPr lang="zh-CN" altLang="en-US" dirty="0" smtClean="0"/>
+              <a:t>证</a:t>
+            </a:r>
+            <a:endParaRPr lang="en-US" altLang="zh-CN" b="1" i="0" dirty="0" smtClean="0">
+              <a:solidFill>
+                <a:srgbClr val="333333"/>
+              </a:solidFill>
+              <a:effectLst/>
+              <a:latin typeface="Microsoft Yahei" charset="-122"/>
+            </a:endParaRPr>
           </a:p>
         </p:txBody>
       </p:sp>
     </p:spTree>
     <p:extLst>
       <p:ext uri="{BB962C8B-B14F-4D97-AF65-F5344CB8AC3E}">
-        <p14:creationId xmlns:p14="http://schemas.microsoft.com/office/powerpoint/2010/main" val="972759929"/>
+        <p14:creationId xmlns:p14="http://schemas.microsoft.com/office/powerpoint/2010/main" val="1636704547"/>
       </p:ext>
     </p:extLst>
   </p:cSld>
